--- a/doc/Sequence Memory.pptx
+++ b/doc/Sequence Memory.pptx
@@ -213,7 +213,7 @@
           <a:p>
             <a:fld id="{C5885F88-BCFF-D241-96F9-555E8136601B}" type="datetimeFigureOut">
               <a:rPr lang="en-US" smtClean="0"/>
-              <a:t>10/4/23</a:t>
+              <a:t>10/5/23</a:t>
             </a:fld>
             <a:endParaRPr lang="en-US"/>
           </a:p>
@@ -1218,7 +1218,7 @@
           <a:p>
             <a:fld id="{9996529E-3D6B-9246-9E29-873F23671A2A}" type="datetimeFigureOut">
               <a:rPr lang="en-US" smtClean="0"/>
-              <a:t>10/4/23</a:t>
+              <a:t>10/5/23</a:t>
             </a:fld>
             <a:endParaRPr lang="en-US"/>
           </a:p>
@@ -1418,7 +1418,7 @@
           <a:p>
             <a:fld id="{9996529E-3D6B-9246-9E29-873F23671A2A}" type="datetimeFigureOut">
               <a:rPr lang="en-US" smtClean="0"/>
-              <a:t>10/4/23</a:t>
+              <a:t>10/5/23</a:t>
             </a:fld>
             <a:endParaRPr lang="en-US"/>
           </a:p>
@@ -1628,7 +1628,7 @@
           <a:p>
             <a:fld id="{9996529E-3D6B-9246-9E29-873F23671A2A}" type="datetimeFigureOut">
               <a:rPr lang="en-US" smtClean="0"/>
-              <a:t>10/4/23</a:t>
+              <a:t>10/5/23</a:t>
             </a:fld>
             <a:endParaRPr lang="en-US"/>
           </a:p>
@@ -1828,7 +1828,7 @@
           <a:p>
             <a:fld id="{9996529E-3D6B-9246-9E29-873F23671A2A}" type="datetimeFigureOut">
               <a:rPr lang="en-US" smtClean="0"/>
-              <a:t>10/4/23</a:t>
+              <a:t>10/5/23</a:t>
             </a:fld>
             <a:endParaRPr lang="en-US"/>
           </a:p>
@@ -2104,7 +2104,7 @@
           <a:p>
             <a:fld id="{9996529E-3D6B-9246-9E29-873F23671A2A}" type="datetimeFigureOut">
               <a:rPr lang="en-US" smtClean="0"/>
-              <a:t>10/4/23</a:t>
+              <a:t>10/5/23</a:t>
             </a:fld>
             <a:endParaRPr lang="en-US"/>
           </a:p>
@@ -2372,7 +2372,7 @@
           <a:p>
             <a:fld id="{9996529E-3D6B-9246-9E29-873F23671A2A}" type="datetimeFigureOut">
               <a:rPr lang="en-US" smtClean="0"/>
-              <a:t>10/4/23</a:t>
+              <a:t>10/5/23</a:t>
             </a:fld>
             <a:endParaRPr lang="en-US"/>
           </a:p>
@@ -2787,7 +2787,7 @@
           <a:p>
             <a:fld id="{9996529E-3D6B-9246-9E29-873F23671A2A}" type="datetimeFigureOut">
               <a:rPr lang="en-US" smtClean="0"/>
-              <a:t>10/4/23</a:t>
+              <a:t>10/5/23</a:t>
             </a:fld>
             <a:endParaRPr lang="en-US"/>
           </a:p>
@@ -2929,7 +2929,7 @@
           <a:p>
             <a:fld id="{9996529E-3D6B-9246-9E29-873F23671A2A}" type="datetimeFigureOut">
               <a:rPr lang="en-US" smtClean="0"/>
-              <a:t>10/4/23</a:t>
+              <a:t>10/5/23</a:t>
             </a:fld>
             <a:endParaRPr lang="en-US"/>
           </a:p>
@@ -3042,7 +3042,7 @@
           <a:p>
             <a:fld id="{9996529E-3D6B-9246-9E29-873F23671A2A}" type="datetimeFigureOut">
               <a:rPr lang="en-US" smtClean="0"/>
-              <a:t>10/4/23</a:t>
+              <a:t>10/5/23</a:t>
             </a:fld>
             <a:endParaRPr lang="en-US"/>
           </a:p>
@@ -3355,7 +3355,7 @@
           <a:p>
             <a:fld id="{9996529E-3D6B-9246-9E29-873F23671A2A}" type="datetimeFigureOut">
               <a:rPr lang="en-US" smtClean="0"/>
-              <a:t>10/4/23</a:t>
+              <a:t>10/5/23</a:t>
             </a:fld>
             <a:endParaRPr lang="en-US"/>
           </a:p>
@@ -3644,7 +3644,7 @@
           <a:p>
             <a:fld id="{9996529E-3D6B-9246-9E29-873F23671A2A}" type="datetimeFigureOut">
               <a:rPr lang="en-US" smtClean="0"/>
-              <a:t>10/4/23</a:t>
+              <a:t>10/5/23</a:t>
             </a:fld>
             <a:endParaRPr lang="en-US"/>
           </a:p>
@@ -3887,7 +3887,7 @@
           <a:p>
             <a:fld id="{9996529E-3D6B-9246-9E29-873F23671A2A}" type="datetimeFigureOut">
               <a:rPr lang="en-US" smtClean="0"/>
-              <a:t>10/4/23</a:t>
+              <a:t>10/5/23</a:t>
             </a:fld>
             <a:endParaRPr lang="en-US"/>
           </a:p>
@@ -5208,7 +5208,7 @@
         </p:nvGrpSpPr>
         <p:grpSpPr>
           <a:xfrm>
-            <a:off x="6998318" y="2125812"/>
+            <a:off x="8594125" y="494037"/>
             <a:ext cx="3191613" cy="2863441"/>
             <a:chOff x="7994097" y="2015591"/>
             <a:chExt cx="3191613" cy="2863441"/>
@@ -5607,6 +5607,1818 @@
             </a:p>
           </p:txBody>
         </p:sp>
+      </p:grpSp>
+      <p:grpSp>
+        <p:nvGrpSpPr>
+          <p:cNvPr id="75" name="Gruppieren 74">
+            <a:extLst>
+              <a:ext uri="{FF2B5EF4-FFF2-40B4-BE49-F238E27FC236}">
+                <a16:creationId xmlns:a16="http://schemas.microsoft.com/office/drawing/2014/main" id="{827B0A8D-1CFD-06C7-9668-E6D5232754CA}"/>
+              </a:ext>
+            </a:extLst>
+          </p:cNvPr>
+          <p:cNvGrpSpPr/>
+          <p:nvPr/>
+        </p:nvGrpSpPr>
+        <p:grpSpPr>
+          <a:xfrm>
+            <a:off x="4917890" y="2217949"/>
+            <a:ext cx="3241547" cy="2661083"/>
+            <a:chOff x="4917890" y="2217949"/>
+            <a:chExt cx="3241547" cy="2661083"/>
+          </a:xfrm>
+        </p:grpSpPr>
+        <p:grpSp>
+          <p:nvGrpSpPr>
+            <p:cNvPr id="3" name="Gruppieren 2">
+              <a:extLst>
+                <a:ext uri="{FF2B5EF4-FFF2-40B4-BE49-F238E27FC236}">
+                  <a16:creationId xmlns:a16="http://schemas.microsoft.com/office/drawing/2014/main" id="{57281955-871D-1F05-F462-8E4CD750E01F}"/>
+                </a:ext>
+              </a:extLst>
+            </p:cNvPr>
+            <p:cNvGrpSpPr/>
+            <p:nvPr/>
+          </p:nvGrpSpPr>
+          <p:grpSpPr>
+            <a:xfrm>
+              <a:off x="4917890" y="2217949"/>
+              <a:ext cx="3241547" cy="2661083"/>
+              <a:chOff x="877566" y="700964"/>
+              <a:chExt cx="3241547" cy="2661083"/>
+            </a:xfrm>
+          </p:grpSpPr>
+          <p:cxnSp>
+            <p:nvCxnSpPr>
+              <p:cNvPr id="4" name="Gerade Verbindung mit Pfeil 3">
+                <a:extLst>
+                  <a:ext uri="{FF2B5EF4-FFF2-40B4-BE49-F238E27FC236}">
+                    <a16:creationId xmlns:a16="http://schemas.microsoft.com/office/drawing/2014/main" id="{CBC88E39-1A7D-9D52-8B0A-2D5B76DB1746}"/>
+                  </a:ext>
+                </a:extLst>
+              </p:cNvPr>
+              <p:cNvCxnSpPr/>
+              <p:nvPr/>
+            </p:nvCxnSpPr>
+            <p:spPr>
+              <a:xfrm>
+                <a:off x="877566" y="2294561"/>
+                <a:ext cx="914400" cy="0"/>
+              </a:xfrm>
+              <a:prstGeom prst="straightConnector1">
+                <a:avLst/>
+              </a:prstGeom>
+              <a:ln w="19050">
+                <a:solidFill>
+                  <a:schemeClr val="tx1"/>
+                </a:solidFill>
+                <a:tailEnd type="triangle" w="lg" len="lg"/>
+              </a:ln>
+            </p:spPr>
+            <p:style>
+              <a:lnRef idx="1">
+                <a:schemeClr val="accent1"/>
+              </a:lnRef>
+              <a:fillRef idx="0">
+                <a:schemeClr val="accent1"/>
+              </a:fillRef>
+              <a:effectRef idx="0">
+                <a:schemeClr val="accent1"/>
+              </a:effectRef>
+              <a:fontRef idx="minor">
+                <a:schemeClr val="tx1"/>
+              </a:fontRef>
+            </p:style>
+          </p:cxnSp>
+          <p:cxnSp>
+            <p:nvCxnSpPr>
+              <p:cNvPr id="5" name="Gerade Verbindung mit Pfeil 4">
+                <a:extLst>
+                  <a:ext uri="{FF2B5EF4-FFF2-40B4-BE49-F238E27FC236}">
+                    <a16:creationId xmlns:a16="http://schemas.microsoft.com/office/drawing/2014/main" id="{DC4E2058-6B0D-8D76-7C34-F3A781D1D1EA}"/>
+                  </a:ext>
+                </a:extLst>
+              </p:cNvPr>
+              <p:cNvCxnSpPr/>
+              <p:nvPr/>
+            </p:nvCxnSpPr>
+            <p:spPr>
+              <a:xfrm>
+                <a:off x="886801" y="1812671"/>
+                <a:ext cx="914400" cy="0"/>
+              </a:xfrm>
+              <a:prstGeom prst="straightConnector1">
+                <a:avLst/>
+              </a:prstGeom>
+              <a:ln w="19050">
+                <a:solidFill>
+                  <a:schemeClr val="tx1"/>
+                </a:solidFill>
+                <a:tailEnd type="triangle" w="lg" len="lg"/>
+              </a:ln>
+            </p:spPr>
+            <p:style>
+              <a:lnRef idx="1">
+                <a:schemeClr val="accent1"/>
+              </a:lnRef>
+              <a:fillRef idx="0">
+                <a:schemeClr val="accent1"/>
+              </a:fillRef>
+              <a:effectRef idx="0">
+                <a:schemeClr val="accent1"/>
+              </a:effectRef>
+              <a:fontRef idx="minor">
+                <a:schemeClr val="tx1"/>
+              </a:fontRef>
+            </p:style>
+          </p:cxnSp>
+          <p:cxnSp>
+            <p:nvCxnSpPr>
+              <p:cNvPr id="6" name="Gerade Verbindung mit Pfeil 5">
+                <a:extLst>
+                  <a:ext uri="{FF2B5EF4-FFF2-40B4-BE49-F238E27FC236}">
+                    <a16:creationId xmlns:a16="http://schemas.microsoft.com/office/drawing/2014/main" id="{F5CC0DD6-0CE0-6BBB-4D4F-5A7F48283EE9}"/>
+                  </a:ext>
+                </a:extLst>
+              </p:cNvPr>
+              <p:cNvCxnSpPr>
+                <a:cxnSpLocks/>
+              </p:cNvCxnSpPr>
+              <p:nvPr/>
+            </p:nvCxnSpPr>
+            <p:spPr>
+              <a:xfrm>
+                <a:off x="2294078" y="781684"/>
+                <a:ext cx="0" cy="588724"/>
+              </a:xfrm>
+              <a:prstGeom prst="straightConnector1">
+                <a:avLst/>
+              </a:prstGeom>
+              <a:ln w="19050">
+                <a:solidFill>
+                  <a:schemeClr val="tx1"/>
+                </a:solidFill>
+                <a:tailEnd type="triangle" w="lg" len="lg"/>
+              </a:ln>
+            </p:spPr>
+            <p:style>
+              <a:lnRef idx="1">
+                <a:schemeClr val="accent1"/>
+              </a:lnRef>
+              <a:fillRef idx="0">
+                <a:schemeClr val="accent1"/>
+              </a:fillRef>
+              <a:effectRef idx="0">
+                <a:schemeClr val="accent1"/>
+              </a:effectRef>
+              <a:fontRef idx="minor">
+                <a:schemeClr val="tx1"/>
+              </a:fontRef>
+            </p:style>
+          </p:cxnSp>
+          <p:cxnSp>
+            <p:nvCxnSpPr>
+              <p:cNvPr id="7" name="Gerade Verbindung mit Pfeil 6">
+                <a:extLst>
+                  <a:ext uri="{FF2B5EF4-FFF2-40B4-BE49-F238E27FC236}">
+                    <a16:creationId xmlns:a16="http://schemas.microsoft.com/office/drawing/2014/main" id="{A2527615-4EF9-C6B3-5E6F-B57B40AEBEB2}"/>
+                  </a:ext>
+                </a:extLst>
+              </p:cNvPr>
+              <p:cNvCxnSpPr>
+                <a:cxnSpLocks/>
+              </p:cNvCxnSpPr>
+              <p:nvPr/>
+            </p:nvCxnSpPr>
+            <p:spPr>
+              <a:xfrm>
+                <a:off x="2692028" y="769517"/>
+                <a:ext cx="0" cy="588724"/>
+              </a:xfrm>
+              <a:prstGeom prst="straightConnector1">
+                <a:avLst/>
+              </a:prstGeom>
+              <a:ln w="19050">
+                <a:solidFill>
+                  <a:schemeClr val="tx1"/>
+                </a:solidFill>
+                <a:tailEnd type="triangle" w="lg" len="lg"/>
+              </a:ln>
+            </p:spPr>
+            <p:style>
+              <a:lnRef idx="1">
+                <a:schemeClr val="accent1"/>
+              </a:lnRef>
+              <a:fillRef idx="0">
+                <a:schemeClr val="accent1"/>
+              </a:fillRef>
+              <a:effectRef idx="0">
+                <a:schemeClr val="accent1"/>
+              </a:effectRef>
+              <a:fontRef idx="minor">
+                <a:schemeClr val="tx1"/>
+              </a:fontRef>
+            </p:style>
+          </p:cxnSp>
+          <p:sp>
+            <p:nvSpPr>
+              <p:cNvPr id="8" name="Textfeld 7">
+                <a:extLst>
+                  <a:ext uri="{FF2B5EF4-FFF2-40B4-BE49-F238E27FC236}">
+                    <a16:creationId xmlns:a16="http://schemas.microsoft.com/office/drawing/2014/main" id="{2D64448E-6EB9-2128-37D6-BEC618597411}"/>
+                  </a:ext>
+                </a:extLst>
+              </p:cNvPr>
+              <p:cNvSpPr txBox="1"/>
+              <p:nvPr/>
+            </p:nvSpPr>
+            <p:spPr>
+              <a:xfrm>
+                <a:off x="1149042" y="1428579"/>
+                <a:ext cx="360996" cy="400110"/>
+              </a:xfrm>
+              <a:prstGeom prst="rect">
+                <a:avLst/>
+              </a:prstGeom>
+              <a:noFill/>
+            </p:spPr>
+            <p:txBody>
+              <a:bodyPr wrap="none" rtlCol="0">
+                <a:spAutoFit/>
+              </a:bodyPr>
+              <a:lstStyle/>
+              <a:p>
+                <a:r>
+                  <a:rPr lang="en-US" sz="2000" i="1" dirty="0">
+                    <a:latin typeface="Times New Roman" panose="02020603050405020304" pitchFamily="18" charset="0"/>
+                    <a:cs typeface="Times New Roman" panose="02020603050405020304" pitchFamily="18" charset="0"/>
+                  </a:rPr>
+                  <a:t>u</a:t>
+                </a:r>
+                <a:r>
+                  <a:rPr lang="en-US" sz="2000" i="1" baseline="30000" dirty="0">
+                    <a:latin typeface="Times New Roman" panose="02020603050405020304" pitchFamily="18" charset="0"/>
+                    <a:cs typeface="Times New Roman" panose="02020603050405020304" pitchFamily="18" charset="0"/>
+                  </a:rPr>
+                  <a:t>t</a:t>
+                </a:r>
+                <a:endParaRPr lang="en-US" i="1" baseline="30000" dirty="0">
+                  <a:latin typeface="Times New Roman" panose="02020603050405020304" pitchFamily="18" charset="0"/>
+                  <a:cs typeface="Times New Roman" panose="02020603050405020304" pitchFamily="18" charset="0"/>
+                </a:endParaRPr>
+              </a:p>
+            </p:txBody>
+          </p:sp>
+          <p:sp>
+            <p:nvSpPr>
+              <p:cNvPr id="9" name="Textfeld 8">
+                <a:extLst>
+                  <a:ext uri="{FF2B5EF4-FFF2-40B4-BE49-F238E27FC236}">
+                    <a16:creationId xmlns:a16="http://schemas.microsoft.com/office/drawing/2014/main" id="{4B5401AF-C1E6-1248-8A5A-D5001439D192}"/>
+                  </a:ext>
+                </a:extLst>
+              </p:cNvPr>
+              <p:cNvSpPr txBox="1"/>
+              <p:nvPr/>
+            </p:nvSpPr>
+            <p:spPr>
+              <a:xfrm>
+                <a:off x="1118584" y="2244457"/>
+                <a:ext cx="391454" cy="400110"/>
+              </a:xfrm>
+              <a:prstGeom prst="rect">
+                <a:avLst/>
+              </a:prstGeom>
+              <a:noFill/>
+            </p:spPr>
+            <p:txBody>
+              <a:bodyPr wrap="none" rtlCol="0">
+                <a:spAutoFit/>
+              </a:bodyPr>
+              <a:lstStyle/>
+              <a:p>
+                <a:r>
+                  <a:rPr lang="en-US" sz="2000" b="1" i="1" dirty="0">
+                    <a:latin typeface="Times New Roman" panose="02020603050405020304" pitchFamily="18" charset="0"/>
+                    <a:cs typeface="Times New Roman" panose="02020603050405020304" pitchFamily="18" charset="0"/>
+                  </a:rPr>
+                  <a:t>c</a:t>
+                </a:r>
+                <a:r>
+                  <a:rPr lang="en-US" sz="1000" b="1" i="1" dirty="0">
+                    <a:latin typeface="Times New Roman" panose="02020603050405020304" pitchFamily="18" charset="0"/>
+                    <a:cs typeface="Times New Roman" panose="02020603050405020304" pitchFamily="18" charset="0"/>
+                  </a:rPr>
+                  <a:t> </a:t>
+                </a:r>
+                <a:r>
+                  <a:rPr lang="en-US" sz="2000" i="1" baseline="30000" dirty="0">
+                    <a:latin typeface="Times New Roman" panose="02020603050405020304" pitchFamily="18" charset="0"/>
+                    <a:cs typeface="Times New Roman" panose="02020603050405020304" pitchFamily="18" charset="0"/>
+                  </a:rPr>
+                  <a:t>t</a:t>
+                </a:r>
+                <a:endParaRPr lang="en-US" i="1" baseline="30000" dirty="0">
+                  <a:latin typeface="Times New Roman" panose="02020603050405020304" pitchFamily="18" charset="0"/>
+                  <a:cs typeface="Times New Roman" panose="02020603050405020304" pitchFamily="18" charset="0"/>
+                </a:endParaRPr>
+              </a:p>
+            </p:txBody>
+          </p:sp>
+          <p:sp>
+            <p:nvSpPr>
+              <p:cNvPr id="10" name="Textfeld 9">
+                <a:extLst>
+                  <a:ext uri="{FF2B5EF4-FFF2-40B4-BE49-F238E27FC236}">
+                    <a16:creationId xmlns:a16="http://schemas.microsoft.com/office/drawing/2014/main" id="{7A1ED651-8136-B887-3E40-56ECD3602C91}"/>
+                  </a:ext>
+                </a:extLst>
+              </p:cNvPr>
+              <p:cNvSpPr txBox="1"/>
+              <p:nvPr/>
+            </p:nvSpPr>
+            <p:spPr>
+              <a:xfrm>
+                <a:off x="1872777" y="700964"/>
+                <a:ext cx="415498" cy="400110"/>
+              </a:xfrm>
+              <a:prstGeom prst="rect">
+                <a:avLst/>
+              </a:prstGeom>
+              <a:noFill/>
+            </p:spPr>
+            <p:txBody>
+              <a:bodyPr wrap="none" rtlCol="0">
+                <a:spAutoFit/>
+              </a:bodyPr>
+              <a:lstStyle/>
+              <a:p>
+                <a:r>
+                  <a:rPr lang="en-US" sz="2000" i="1" dirty="0">
+                    <a:latin typeface="Times New Roman" panose="02020603050405020304" pitchFamily="18" charset="0"/>
+                    <a:cs typeface="Times New Roman" panose="02020603050405020304" pitchFamily="18" charset="0"/>
+                  </a:rPr>
+                  <a:t>x</a:t>
+                </a:r>
+                <a:r>
+                  <a:rPr lang="en-US" sz="1000" b="1" i="1" dirty="0">
+                    <a:latin typeface="Times New Roman" panose="02020603050405020304" pitchFamily="18" charset="0"/>
+                    <a:cs typeface="Times New Roman" panose="02020603050405020304" pitchFamily="18" charset="0"/>
+                  </a:rPr>
+                  <a:t> </a:t>
+                </a:r>
+                <a:r>
+                  <a:rPr lang="en-US" sz="2000" i="1" baseline="30000" dirty="0">
+                    <a:latin typeface="Times New Roman" panose="02020603050405020304" pitchFamily="18" charset="0"/>
+                    <a:cs typeface="Times New Roman" panose="02020603050405020304" pitchFamily="18" charset="0"/>
+                  </a:rPr>
+                  <a:t>0</a:t>
+                </a:r>
+                <a:endParaRPr lang="en-US" i="1" baseline="30000" dirty="0">
+                  <a:latin typeface="Times New Roman" panose="02020603050405020304" pitchFamily="18" charset="0"/>
+                  <a:cs typeface="Times New Roman" panose="02020603050405020304" pitchFamily="18" charset="0"/>
+                </a:endParaRPr>
+              </a:p>
+            </p:txBody>
+          </p:sp>
+          <p:sp>
+            <p:nvSpPr>
+              <p:cNvPr id="11" name="Textfeld 10">
+                <a:extLst>
+                  <a:ext uri="{FF2B5EF4-FFF2-40B4-BE49-F238E27FC236}">
+                    <a16:creationId xmlns:a16="http://schemas.microsoft.com/office/drawing/2014/main" id="{467C5272-45C0-7CEF-DFF4-BD2DB6D9C43C}"/>
+                  </a:ext>
+                </a:extLst>
+              </p:cNvPr>
+              <p:cNvSpPr txBox="1"/>
+              <p:nvPr/>
+            </p:nvSpPr>
+            <p:spPr>
+              <a:xfrm>
+                <a:off x="2678408" y="700964"/>
+                <a:ext cx="455574" cy="400110"/>
+              </a:xfrm>
+              <a:prstGeom prst="rect">
+                <a:avLst/>
+              </a:prstGeom>
+              <a:noFill/>
+            </p:spPr>
+            <p:txBody>
+              <a:bodyPr wrap="none" rtlCol="0">
+                <a:spAutoFit/>
+              </a:bodyPr>
+              <a:lstStyle/>
+              <a:p>
+                <a:r>
+                  <a:rPr lang="en-US" sz="2000" b="1" i="1" dirty="0">
+                    <a:latin typeface="Times New Roman" panose="02020603050405020304" pitchFamily="18" charset="0"/>
+                    <a:cs typeface="Times New Roman" panose="02020603050405020304" pitchFamily="18" charset="0"/>
+                  </a:rPr>
+                  <a:t>P</a:t>
+                </a:r>
+                <a:r>
+                  <a:rPr lang="en-US" sz="900" b="1" i="1" dirty="0">
+                    <a:latin typeface="Times New Roman" panose="02020603050405020304" pitchFamily="18" charset="0"/>
+                    <a:cs typeface="Times New Roman" panose="02020603050405020304" pitchFamily="18" charset="0"/>
+                  </a:rPr>
+                  <a:t> </a:t>
+                </a:r>
+                <a:r>
+                  <a:rPr lang="en-US" sz="2000" i="1" baseline="30000" dirty="0">
+                    <a:latin typeface="Times New Roman" panose="02020603050405020304" pitchFamily="18" charset="0"/>
+                    <a:cs typeface="Times New Roman" panose="02020603050405020304" pitchFamily="18" charset="0"/>
+                  </a:rPr>
+                  <a:t>0</a:t>
+                </a:r>
+                <a:endParaRPr lang="en-US" i="1" baseline="30000" dirty="0">
+                  <a:latin typeface="Times New Roman" panose="02020603050405020304" pitchFamily="18" charset="0"/>
+                  <a:cs typeface="Times New Roman" panose="02020603050405020304" pitchFamily="18" charset="0"/>
+                </a:endParaRPr>
+              </a:p>
+            </p:txBody>
+          </p:sp>
+          <p:cxnSp>
+            <p:nvCxnSpPr>
+              <p:cNvPr id="12" name="Gerade Verbindung mit Pfeil 11">
+                <a:extLst>
+                  <a:ext uri="{FF2B5EF4-FFF2-40B4-BE49-F238E27FC236}">
+                    <a16:creationId xmlns:a16="http://schemas.microsoft.com/office/drawing/2014/main" id="{265D6D8B-5B77-E6D7-5397-04F77613A0A0}"/>
+                  </a:ext>
+                </a:extLst>
+              </p:cNvPr>
+              <p:cNvCxnSpPr/>
+              <p:nvPr/>
+            </p:nvCxnSpPr>
+            <p:spPr>
+              <a:xfrm>
+                <a:off x="3204713" y="2065962"/>
+                <a:ext cx="914400" cy="0"/>
+              </a:xfrm>
+              <a:prstGeom prst="straightConnector1">
+                <a:avLst/>
+              </a:prstGeom>
+              <a:ln w="19050">
+                <a:solidFill>
+                  <a:schemeClr val="tx1"/>
+                </a:solidFill>
+                <a:tailEnd type="triangle" w="lg" len="lg"/>
+              </a:ln>
+            </p:spPr>
+            <p:style>
+              <a:lnRef idx="1">
+                <a:schemeClr val="accent1"/>
+              </a:lnRef>
+              <a:fillRef idx="0">
+                <a:schemeClr val="accent1"/>
+              </a:fillRef>
+              <a:effectRef idx="0">
+                <a:schemeClr val="accent1"/>
+              </a:effectRef>
+              <a:fontRef idx="minor">
+                <a:schemeClr val="tx1"/>
+              </a:fontRef>
+            </p:style>
+          </p:cxnSp>
+          <p:sp>
+            <p:nvSpPr>
+              <p:cNvPr id="13" name="Textfeld 12">
+                <a:extLst>
+                  <a:ext uri="{FF2B5EF4-FFF2-40B4-BE49-F238E27FC236}">
+                    <a16:creationId xmlns:a16="http://schemas.microsoft.com/office/drawing/2014/main" id="{916A2ED4-BCDD-EE57-B47B-7524A1975B42}"/>
+                  </a:ext>
+                </a:extLst>
+              </p:cNvPr>
+              <p:cNvSpPr txBox="1"/>
+              <p:nvPr/>
+            </p:nvSpPr>
+            <p:spPr>
+              <a:xfrm>
+                <a:off x="3499717" y="1640438"/>
+                <a:ext cx="391454" cy="400110"/>
+              </a:xfrm>
+              <a:prstGeom prst="rect">
+                <a:avLst/>
+              </a:prstGeom>
+              <a:noFill/>
+            </p:spPr>
+            <p:txBody>
+              <a:bodyPr wrap="none" rtlCol="0">
+                <a:spAutoFit/>
+              </a:bodyPr>
+              <a:lstStyle/>
+              <a:p>
+                <a:r>
+                  <a:rPr lang="en-US" sz="2000" i="1" dirty="0">
+                    <a:latin typeface="Times New Roman" panose="02020603050405020304" pitchFamily="18" charset="0"/>
+                    <a:cs typeface="Times New Roman" panose="02020603050405020304" pitchFamily="18" charset="0"/>
+                  </a:rPr>
+                  <a:t>y</a:t>
+                </a:r>
+                <a:r>
+                  <a:rPr lang="en-US" sz="1050" b="1" i="1" dirty="0">
+                    <a:latin typeface="Times New Roman" panose="02020603050405020304" pitchFamily="18" charset="0"/>
+                    <a:cs typeface="Times New Roman" panose="02020603050405020304" pitchFamily="18" charset="0"/>
+                  </a:rPr>
+                  <a:t> </a:t>
+                </a:r>
+                <a:r>
+                  <a:rPr lang="en-US" sz="2000" i="1" baseline="30000" dirty="0">
+                    <a:latin typeface="Times New Roman" panose="02020603050405020304" pitchFamily="18" charset="0"/>
+                    <a:cs typeface="Times New Roman" panose="02020603050405020304" pitchFamily="18" charset="0"/>
+                  </a:rPr>
+                  <a:t>t</a:t>
+                </a:r>
+                <a:endParaRPr lang="en-US" i="1" baseline="30000" dirty="0">
+                  <a:latin typeface="Times New Roman" panose="02020603050405020304" pitchFamily="18" charset="0"/>
+                  <a:cs typeface="Times New Roman" panose="02020603050405020304" pitchFamily="18" charset="0"/>
+                </a:endParaRPr>
+              </a:p>
+            </p:txBody>
+          </p:sp>
+          <p:sp>
+            <p:nvSpPr>
+              <p:cNvPr id="14" name="Oval 13">
+                <a:extLst>
+                  <a:ext uri="{FF2B5EF4-FFF2-40B4-BE49-F238E27FC236}">
+                    <a16:creationId xmlns:a16="http://schemas.microsoft.com/office/drawing/2014/main" id="{E52FF6F8-9F48-CACD-7631-046460D35E7A}"/>
+                  </a:ext>
+                </a:extLst>
+              </p:cNvPr>
+              <p:cNvSpPr/>
+              <p:nvPr/>
+            </p:nvSpPr>
+            <p:spPr>
+              <a:xfrm>
+                <a:off x="1753673" y="1336893"/>
+                <a:ext cx="1461480" cy="1461480"/>
+              </a:xfrm>
+              <a:prstGeom prst="ellipse">
+                <a:avLst/>
+              </a:prstGeom>
+              <a:solidFill>
+                <a:schemeClr val="accent4">
+                  <a:lumMod val="60000"/>
+                  <a:lumOff val="40000"/>
+                </a:schemeClr>
+              </a:solidFill>
+              <a:ln w="19050">
+                <a:solidFill>
+                  <a:schemeClr val="tx1"/>
+                </a:solidFill>
+              </a:ln>
+            </p:spPr>
+            <p:style>
+              <a:lnRef idx="2">
+                <a:schemeClr val="accent1">
+                  <a:shade val="50000"/>
+                </a:schemeClr>
+              </a:lnRef>
+              <a:fillRef idx="1">
+                <a:schemeClr val="accent1"/>
+              </a:fillRef>
+              <a:effectRef idx="0">
+                <a:schemeClr val="accent1"/>
+              </a:effectRef>
+              <a:fontRef idx="minor">
+                <a:schemeClr val="lt1"/>
+              </a:fontRef>
+            </p:style>
+            <p:txBody>
+              <a:bodyPr rtlCol="0" anchor="ctr"/>
+              <a:lstStyle/>
+              <a:p>
+                <a:pPr algn="ctr"/>
+                <a:endParaRPr lang="en-US" dirty="0"/>
+              </a:p>
+            </p:txBody>
+          </p:sp>
+          <mc:AlternateContent xmlns:mc="http://schemas.openxmlformats.org/markup-compatibility/2006">
+            <mc:Choice xmlns:a14="http://schemas.microsoft.com/office/drawing/2010/main" Requires="a14">
+              <p:sp>
+                <p:nvSpPr>
+                  <p:cNvPr id="15" name="Textfeld 14">
+                    <a:extLst>
+                      <a:ext uri="{FF2B5EF4-FFF2-40B4-BE49-F238E27FC236}">
+                        <a16:creationId xmlns:a16="http://schemas.microsoft.com/office/drawing/2014/main" id="{768AA123-AC9A-590D-BB14-935DD7888DF2}"/>
+                      </a:ext>
+                    </a:extLst>
+                  </p:cNvPr>
+                  <p:cNvSpPr txBox="1"/>
+                  <p:nvPr/>
+                </p:nvSpPr>
+                <p:spPr>
+                  <a:xfrm>
+                    <a:off x="2165223" y="2344620"/>
+                    <a:ext cx="638380" cy="400110"/>
+                  </a:xfrm>
+                  <a:prstGeom prst="rect">
+                    <a:avLst/>
+                  </a:prstGeom>
+                  <a:noFill/>
+                </p:spPr>
+                <p:txBody>
+                  <a:bodyPr wrap="none" rtlCol="0">
+                    <a:spAutoFit/>
+                  </a:bodyPr>
+                  <a:lstStyle/>
+                  <a:p>
+                    <a:r>
+                      <a:rPr lang="en-US" sz="2000" i="1" dirty="0">
+                        <a:latin typeface="Times New Roman" panose="02020603050405020304" pitchFamily="18" charset="0"/>
+                        <a:cs typeface="Times New Roman" panose="02020603050405020304" pitchFamily="18" charset="0"/>
+                      </a:rPr>
+                      <a:t> </a:t>
+                    </a:r>
+                    <a14:m>
+                      <m:oMath xmlns:m="http://schemas.openxmlformats.org/officeDocument/2006/math">
+                        <m:r>
+                          <a:rPr lang="en-US" sz="2000" b="0" i="1" smtClean="0">
+                            <a:latin typeface="Cambria Math" panose="02040503050406030204" pitchFamily="18" charset="0"/>
+                            <a:ea typeface="Cambria Math" panose="02040503050406030204" pitchFamily="18" charset="0"/>
+                            <a:cs typeface="Times New Roman" panose="02020603050405020304" pitchFamily="18" charset="0"/>
+                          </a:rPr>
+                          <m:t>𝜂</m:t>
+                        </m:r>
+                        <m:r>
+                          <a:rPr lang="de-AT" sz="2000" b="0" i="1" smtClean="0">
+                            <a:latin typeface="Cambria Math" panose="02040503050406030204" pitchFamily="18" charset="0"/>
+                            <a:ea typeface="Cambria Math" panose="02040503050406030204" pitchFamily="18" charset="0"/>
+                            <a:cs typeface="Times New Roman" panose="02020603050405020304" pitchFamily="18" charset="0"/>
+                          </a:rPr>
+                          <m:t>, </m:t>
+                        </m:r>
+                        <m:r>
+                          <a:rPr lang="en-US" sz="2000" b="0" i="1" smtClean="0">
+                            <a:latin typeface="Cambria Math" panose="02040503050406030204" pitchFamily="18" charset="0"/>
+                            <a:ea typeface="Cambria Math" panose="02040503050406030204" pitchFamily="18" charset="0"/>
+                            <a:cs typeface="Times New Roman" panose="02020603050405020304" pitchFamily="18" charset="0"/>
+                          </a:rPr>
+                          <m:t>𝜃</m:t>
+                        </m:r>
+                      </m:oMath>
+                    </a14:m>
+                    <a:endParaRPr lang="en-US" i="1" dirty="0">
+                      <a:latin typeface="Times New Roman" panose="02020603050405020304" pitchFamily="18" charset="0"/>
+                      <a:cs typeface="Times New Roman" panose="02020603050405020304" pitchFamily="18" charset="0"/>
+                    </a:endParaRPr>
+                  </a:p>
+                </p:txBody>
+              </p:sp>
+            </mc:Choice>
+            <mc:Fallback>
+              <p:sp>
+                <p:nvSpPr>
+                  <p:cNvPr id="15" name="Textfeld 14">
+                    <a:extLst>
+                      <a:ext uri="{FF2B5EF4-FFF2-40B4-BE49-F238E27FC236}">
+                        <a16:creationId xmlns:a16="http://schemas.microsoft.com/office/drawing/2014/main" id="{768AA123-AC9A-590D-BB14-935DD7888DF2}"/>
+                      </a:ext>
+                    </a:extLst>
+                  </p:cNvPr>
+                  <p:cNvSpPr txBox="1">
+                    <a:spLocks noRot="1" noChangeAspect="1" noMove="1" noResize="1" noEditPoints="1" noAdjustHandles="1" noChangeArrowheads="1" noChangeShapeType="1" noTextEdit="1"/>
+                  </p:cNvSpPr>
+                  <p:nvPr/>
+                </p:nvSpPr>
+                <p:spPr>
+                  <a:xfrm>
+                    <a:off x="2165223" y="2344620"/>
+                    <a:ext cx="638380" cy="400110"/>
+                  </a:xfrm>
+                  <a:prstGeom prst="rect">
+                    <a:avLst/>
+                  </a:prstGeom>
+                  <a:blipFill>
+                    <a:blip r:embed="rId3"/>
+                    <a:stretch>
+                      <a:fillRect b="-6061"/>
+                    </a:stretch>
+                  </a:blipFill>
+                </p:spPr>
+                <p:txBody>
+                  <a:bodyPr/>
+                  <a:lstStyle/>
+                  <a:p>
+                    <a:r>
+                      <a:rPr lang="en-US">
+                        <a:noFill/>
+                      </a:rPr>
+                      <a:t> </a:t>
+                    </a:r>
+                  </a:p>
+                </p:txBody>
+              </p:sp>
+            </mc:Fallback>
+          </mc:AlternateContent>
+          <p:cxnSp>
+            <p:nvCxnSpPr>
+              <p:cNvPr id="16" name="Gerade Verbindung mit Pfeil 15">
+                <a:extLst>
+                  <a:ext uri="{FF2B5EF4-FFF2-40B4-BE49-F238E27FC236}">
+                    <a16:creationId xmlns:a16="http://schemas.microsoft.com/office/drawing/2014/main" id="{AE53A456-2CBB-2A16-8137-8234AD24366A}"/>
+                  </a:ext>
+                </a:extLst>
+              </p:cNvPr>
+              <p:cNvCxnSpPr>
+                <a:cxnSpLocks/>
+              </p:cNvCxnSpPr>
+              <p:nvPr/>
+            </p:nvCxnSpPr>
+            <p:spPr>
+              <a:xfrm>
+                <a:off x="2294078" y="2773323"/>
+                <a:ext cx="0" cy="588724"/>
+              </a:xfrm>
+              <a:prstGeom prst="straightConnector1">
+                <a:avLst/>
+              </a:prstGeom>
+              <a:ln w="19050">
+                <a:solidFill>
+                  <a:schemeClr val="tx1"/>
+                </a:solidFill>
+                <a:tailEnd type="triangle" w="lg" len="lg"/>
+              </a:ln>
+            </p:spPr>
+            <p:style>
+              <a:lnRef idx="1">
+                <a:schemeClr val="accent1"/>
+              </a:lnRef>
+              <a:fillRef idx="0">
+                <a:schemeClr val="accent1"/>
+              </a:fillRef>
+              <a:effectRef idx="0">
+                <a:schemeClr val="accent1"/>
+              </a:effectRef>
+              <a:fontRef idx="minor">
+                <a:schemeClr val="tx1"/>
+              </a:fontRef>
+            </p:style>
+          </p:cxnSp>
+          <p:cxnSp>
+            <p:nvCxnSpPr>
+              <p:cNvPr id="17" name="Gerade Verbindung mit Pfeil 16">
+                <a:extLst>
+                  <a:ext uri="{FF2B5EF4-FFF2-40B4-BE49-F238E27FC236}">
+                    <a16:creationId xmlns:a16="http://schemas.microsoft.com/office/drawing/2014/main" id="{77F9F8AF-3C4D-750E-1F26-BFD907D684B4}"/>
+                  </a:ext>
+                </a:extLst>
+              </p:cNvPr>
+              <p:cNvCxnSpPr>
+                <a:cxnSpLocks/>
+              </p:cNvCxnSpPr>
+              <p:nvPr/>
+            </p:nvCxnSpPr>
+            <p:spPr>
+              <a:xfrm>
+                <a:off x="2692028" y="2761156"/>
+                <a:ext cx="0" cy="588724"/>
+              </a:xfrm>
+              <a:prstGeom prst="straightConnector1">
+                <a:avLst/>
+              </a:prstGeom>
+              <a:ln w="19050">
+                <a:solidFill>
+                  <a:schemeClr val="tx1"/>
+                </a:solidFill>
+                <a:tailEnd type="triangle" w="lg" len="lg"/>
+              </a:ln>
+            </p:spPr>
+            <p:style>
+              <a:lnRef idx="1">
+                <a:schemeClr val="accent1"/>
+              </a:lnRef>
+              <a:fillRef idx="0">
+                <a:schemeClr val="accent1"/>
+              </a:fillRef>
+              <a:effectRef idx="0">
+                <a:schemeClr val="accent1"/>
+              </a:effectRef>
+              <a:fontRef idx="minor">
+                <a:schemeClr val="tx1"/>
+              </a:fontRef>
+            </p:style>
+          </p:cxnSp>
+          <p:sp>
+            <p:nvSpPr>
+              <p:cNvPr id="18" name="Textfeld 17">
+                <a:extLst>
+                  <a:ext uri="{FF2B5EF4-FFF2-40B4-BE49-F238E27FC236}">
+                    <a16:creationId xmlns:a16="http://schemas.microsoft.com/office/drawing/2014/main" id="{3DB3DD40-6E9C-E105-2358-F2B5FA93094E}"/>
+                  </a:ext>
+                </a:extLst>
+              </p:cNvPr>
+              <p:cNvSpPr txBox="1"/>
+              <p:nvPr/>
+            </p:nvSpPr>
+            <p:spPr>
+              <a:xfrm>
+                <a:off x="1896129" y="2814799"/>
+                <a:ext cx="381836" cy="400110"/>
+              </a:xfrm>
+              <a:prstGeom prst="rect">
+                <a:avLst/>
+              </a:prstGeom>
+              <a:noFill/>
+            </p:spPr>
+            <p:txBody>
+              <a:bodyPr wrap="none" rtlCol="0">
+                <a:spAutoFit/>
+              </a:bodyPr>
+              <a:lstStyle/>
+              <a:p>
+                <a:r>
+                  <a:rPr lang="en-US" sz="2000" i="1" dirty="0">
+                    <a:latin typeface="Times New Roman" panose="02020603050405020304" pitchFamily="18" charset="0"/>
+                    <a:cs typeface="Times New Roman" panose="02020603050405020304" pitchFamily="18" charset="0"/>
+                  </a:rPr>
+                  <a:t>x</a:t>
+                </a:r>
+                <a:r>
+                  <a:rPr lang="en-US" sz="1100" i="1" dirty="0">
+                    <a:latin typeface="Times New Roman" panose="02020603050405020304" pitchFamily="18" charset="0"/>
+                    <a:cs typeface="Times New Roman" panose="02020603050405020304" pitchFamily="18" charset="0"/>
+                  </a:rPr>
+                  <a:t> </a:t>
+                </a:r>
+                <a:r>
+                  <a:rPr lang="en-US" sz="2000" i="1" baseline="30000" dirty="0">
+                    <a:latin typeface="Times New Roman" panose="02020603050405020304" pitchFamily="18" charset="0"/>
+                    <a:cs typeface="Times New Roman" panose="02020603050405020304" pitchFamily="18" charset="0"/>
+                  </a:rPr>
+                  <a:t>t</a:t>
+                </a:r>
+                <a:endParaRPr lang="en-US" i="1" baseline="30000" dirty="0">
+                  <a:latin typeface="Times New Roman" panose="02020603050405020304" pitchFamily="18" charset="0"/>
+                  <a:cs typeface="Times New Roman" panose="02020603050405020304" pitchFamily="18" charset="0"/>
+                </a:endParaRPr>
+              </a:p>
+            </p:txBody>
+          </p:sp>
+          <p:sp>
+            <p:nvSpPr>
+              <p:cNvPr id="19" name="Textfeld 18">
+                <a:extLst>
+                  <a:ext uri="{FF2B5EF4-FFF2-40B4-BE49-F238E27FC236}">
+                    <a16:creationId xmlns:a16="http://schemas.microsoft.com/office/drawing/2014/main" id="{806601E0-9875-1318-8514-C4404C4220A4}"/>
+                  </a:ext>
+                </a:extLst>
+              </p:cNvPr>
+              <p:cNvSpPr txBox="1"/>
+              <p:nvPr/>
+            </p:nvSpPr>
+            <p:spPr>
+              <a:xfrm>
+                <a:off x="2732724" y="2798373"/>
+                <a:ext cx="425116" cy="400110"/>
+              </a:xfrm>
+              <a:prstGeom prst="rect">
+                <a:avLst/>
+              </a:prstGeom>
+              <a:noFill/>
+            </p:spPr>
+            <p:txBody>
+              <a:bodyPr wrap="none" rtlCol="0">
+                <a:spAutoFit/>
+              </a:bodyPr>
+              <a:lstStyle/>
+              <a:p>
+                <a:r>
+                  <a:rPr lang="en-US" sz="2000" b="1" i="1" dirty="0">
+                    <a:latin typeface="Times New Roman" panose="02020603050405020304" pitchFamily="18" charset="0"/>
+                    <a:cs typeface="Times New Roman" panose="02020603050405020304" pitchFamily="18" charset="0"/>
+                  </a:rPr>
+                  <a:t>P</a:t>
+                </a:r>
+                <a:r>
+                  <a:rPr lang="en-US" sz="1100" b="1" i="1" dirty="0">
+                    <a:latin typeface="Times New Roman" panose="02020603050405020304" pitchFamily="18" charset="0"/>
+                    <a:cs typeface="Times New Roman" panose="02020603050405020304" pitchFamily="18" charset="0"/>
+                  </a:rPr>
+                  <a:t> </a:t>
+                </a:r>
+                <a:r>
+                  <a:rPr lang="en-US" sz="2000" i="1" baseline="30000" dirty="0">
+                    <a:latin typeface="Times New Roman" panose="02020603050405020304" pitchFamily="18" charset="0"/>
+                    <a:cs typeface="Times New Roman" panose="02020603050405020304" pitchFamily="18" charset="0"/>
+                  </a:rPr>
+                  <a:t>t</a:t>
+                </a:r>
+                <a:endParaRPr lang="en-US" i="1" baseline="30000" dirty="0">
+                  <a:latin typeface="Times New Roman" panose="02020603050405020304" pitchFamily="18" charset="0"/>
+                  <a:cs typeface="Times New Roman" panose="02020603050405020304" pitchFamily="18" charset="0"/>
+                </a:endParaRPr>
+              </a:p>
+            </p:txBody>
+          </p:sp>
+          <p:sp>
+            <p:nvSpPr>
+              <p:cNvPr id="74" name="Textfeld 73">
+                <a:extLst>
+                  <a:ext uri="{FF2B5EF4-FFF2-40B4-BE49-F238E27FC236}">
+                    <a16:creationId xmlns:a16="http://schemas.microsoft.com/office/drawing/2014/main" id="{2DB2717F-82FD-FF4F-1CE0-357AC57E3373}"/>
+                  </a:ext>
+                </a:extLst>
+              </p:cNvPr>
+              <p:cNvSpPr txBox="1"/>
+              <p:nvPr/>
+            </p:nvSpPr>
+            <p:spPr>
+              <a:xfrm>
+                <a:off x="2149918" y="1382097"/>
+                <a:ext cx="612668" cy="400110"/>
+              </a:xfrm>
+              <a:prstGeom prst="rect">
+                <a:avLst/>
+              </a:prstGeom>
+              <a:noFill/>
+            </p:spPr>
+            <p:txBody>
+              <a:bodyPr wrap="none" rtlCol="0">
+                <a:spAutoFit/>
+              </a:bodyPr>
+              <a:lstStyle/>
+              <a:p>
+                <a:r>
+                  <a:rPr lang="en-US" sz="2000" b="1" i="1" dirty="0">
+                    <a:latin typeface="Times New Roman" panose="02020603050405020304" pitchFamily="18" charset="0"/>
+                    <a:cs typeface="Times New Roman" panose="02020603050405020304" pitchFamily="18" charset="0"/>
+                  </a:rPr>
+                  <a:t>g</a:t>
+                </a:r>
+                <a:r>
+                  <a:rPr lang="en-US" sz="2000" i="1" dirty="0">
+                    <a:latin typeface="Times New Roman" panose="02020603050405020304" pitchFamily="18" charset="0"/>
+                    <a:cs typeface="Times New Roman" panose="02020603050405020304" pitchFamily="18" charset="0"/>
+                  </a:rPr>
+                  <a:t>,</a:t>
+                </a:r>
+                <a:r>
+                  <a:rPr lang="en-US" sz="2000" b="1" i="1" dirty="0">
+                    <a:latin typeface="Times New Roman" panose="02020603050405020304" pitchFamily="18" charset="0"/>
+                    <a:cs typeface="Times New Roman" panose="02020603050405020304" pitchFamily="18" charset="0"/>
+                  </a:rPr>
+                  <a:t> K</a:t>
+                </a:r>
+                <a:endParaRPr lang="en-US" i="1" dirty="0">
+                  <a:latin typeface="Times New Roman" panose="02020603050405020304" pitchFamily="18" charset="0"/>
+                  <a:cs typeface="Times New Roman" panose="02020603050405020304" pitchFamily="18" charset="0"/>
+                </a:endParaRPr>
+              </a:p>
+            </p:txBody>
+          </p:sp>
+        </p:grpSp>
+        <p:grpSp>
+          <p:nvGrpSpPr>
+            <p:cNvPr id="73" name="Gruppieren 72">
+              <a:extLst>
+                <a:ext uri="{FF2B5EF4-FFF2-40B4-BE49-F238E27FC236}">
+                  <a16:creationId xmlns:a16="http://schemas.microsoft.com/office/drawing/2014/main" id="{05D6B3E4-3D61-241F-E8D3-DACEA88B3010}"/>
+                </a:ext>
+              </a:extLst>
+            </p:cNvPr>
+            <p:cNvGrpSpPr/>
+            <p:nvPr/>
+          </p:nvGrpSpPr>
+          <p:grpSpPr>
+            <a:xfrm>
+              <a:off x="6140875" y="3345674"/>
+              <a:ext cx="820521" cy="495127"/>
+              <a:chOff x="9436586" y="4946422"/>
+              <a:chExt cx="1031241" cy="622282"/>
+            </a:xfrm>
+          </p:grpSpPr>
+          <p:sp>
+            <p:nvSpPr>
+              <p:cNvPr id="35" name="Oval 34">
+                <a:extLst>
+                  <a:ext uri="{FF2B5EF4-FFF2-40B4-BE49-F238E27FC236}">
+                    <a16:creationId xmlns:a16="http://schemas.microsoft.com/office/drawing/2014/main" id="{27C9E96C-D9B0-30F1-96A0-5592567EBA5D}"/>
+                  </a:ext>
+                </a:extLst>
+              </p:cNvPr>
+              <p:cNvSpPr/>
+              <p:nvPr/>
+            </p:nvSpPr>
+            <p:spPr>
+              <a:xfrm rot="16200000">
+                <a:off x="9436586" y="4946422"/>
+                <a:ext cx="203692" cy="203692"/>
+              </a:xfrm>
+              <a:prstGeom prst="ellipse">
+                <a:avLst/>
+              </a:prstGeom>
+              <a:solidFill>
+                <a:schemeClr val="tx1">
+                  <a:lumMod val="65000"/>
+                  <a:lumOff val="35000"/>
+                </a:schemeClr>
+              </a:solidFill>
+              <a:ln w="19050">
+                <a:solidFill>
+                  <a:schemeClr val="tx1"/>
+                </a:solidFill>
+              </a:ln>
+            </p:spPr>
+            <p:style>
+              <a:lnRef idx="2">
+                <a:schemeClr val="accent1">
+                  <a:shade val="50000"/>
+                </a:schemeClr>
+              </a:lnRef>
+              <a:fillRef idx="1">
+                <a:schemeClr val="accent1"/>
+              </a:fillRef>
+              <a:effectRef idx="0">
+                <a:schemeClr val="accent1"/>
+              </a:effectRef>
+              <a:fontRef idx="minor">
+                <a:schemeClr val="lt1"/>
+              </a:fontRef>
+            </p:style>
+            <p:txBody>
+              <a:bodyPr rtlCol="0" anchor="ctr"/>
+              <a:lstStyle/>
+              <a:p>
+                <a:pPr algn="ctr"/>
+                <a:endParaRPr lang="en-US" sz="1400"/>
+              </a:p>
+            </p:txBody>
+          </p:sp>
+          <p:sp>
+            <p:nvSpPr>
+              <p:cNvPr id="36" name="Oval 35">
+                <a:extLst>
+                  <a:ext uri="{FF2B5EF4-FFF2-40B4-BE49-F238E27FC236}">
+                    <a16:creationId xmlns:a16="http://schemas.microsoft.com/office/drawing/2014/main" id="{468C8D9D-091B-EBC8-5294-42721CEDCD4B}"/>
+                  </a:ext>
+                </a:extLst>
+              </p:cNvPr>
+              <p:cNvSpPr/>
+              <p:nvPr/>
+            </p:nvSpPr>
+            <p:spPr>
+              <a:xfrm rot="16200000">
+                <a:off x="9645723" y="4946422"/>
+                <a:ext cx="203692" cy="203692"/>
+              </a:xfrm>
+              <a:prstGeom prst="ellipse">
+                <a:avLst/>
+              </a:prstGeom>
+              <a:solidFill>
+                <a:schemeClr val="bg1"/>
+              </a:solidFill>
+              <a:ln w="19050">
+                <a:solidFill>
+                  <a:schemeClr val="tx1"/>
+                </a:solidFill>
+              </a:ln>
+            </p:spPr>
+            <p:style>
+              <a:lnRef idx="2">
+                <a:schemeClr val="accent1">
+                  <a:shade val="50000"/>
+                </a:schemeClr>
+              </a:lnRef>
+              <a:fillRef idx="1">
+                <a:schemeClr val="accent1"/>
+              </a:fillRef>
+              <a:effectRef idx="0">
+                <a:schemeClr val="accent1"/>
+              </a:effectRef>
+              <a:fontRef idx="minor">
+                <a:schemeClr val="lt1"/>
+              </a:fontRef>
+            </p:style>
+            <p:txBody>
+              <a:bodyPr rtlCol="0" anchor="ctr"/>
+              <a:lstStyle/>
+              <a:p>
+                <a:pPr algn="ctr"/>
+                <a:endParaRPr lang="en-US" sz="1400"/>
+              </a:p>
+            </p:txBody>
+          </p:sp>
+          <p:sp>
+            <p:nvSpPr>
+              <p:cNvPr id="37" name="Oval 36">
+                <a:extLst>
+                  <a:ext uri="{FF2B5EF4-FFF2-40B4-BE49-F238E27FC236}">
+                    <a16:creationId xmlns:a16="http://schemas.microsoft.com/office/drawing/2014/main" id="{6A8998B7-4409-DE9C-8B9B-1B5016984AE4}"/>
+                  </a:ext>
+                </a:extLst>
+              </p:cNvPr>
+              <p:cNvSpPr/>
+              <p:nvPr/>
+            </p:nvSpPr>
+            <p:spPr>
+              <a:xfrm rot="16200000">
+                <a:off x="10264135" y="4946422"/>
+                <a:ext cx="203692" cy="203692"/>
+              </a:xfrm>
+              <a:prstGeom prst="ellipse">
+                <a:avLst/>
+              </a:prstGeom>
+              <a:solidFill>
+                <a:schemeClr val="tx1">
+                  <a:lumMod val="65000"/>
+                  <a:lumOff val="35000"/>
+                </a:schemeClr>
+              </a:solidFill>
+              <a:ln w="19050">
+                <a:solidFill>
+                  <a:schemeClr val="tx1"/>
+                </a:solidFill>
+              </a:ln>
+            </p:spPr>
+            <p:style>
+              <a:lnRef idx="2">
+                <a:schemeClr val="accent1">
+                  <a:shade val="50000"/>
+                </a:schemeClr>
+              </a:lnRef>
+              <a:fillRef idx="1">
+                <a:schemeClr val="accent1"/>
+              </a:fillRef>
+              <a:effectRef idx="0">
+                <a:schemeClr val="accent1"/>
+              </a:effectRef>
+              <a:fontRef idx="minor">
+                <a:schemeClr val="lt1"/>
+              </a:fontRef>
+            </p:style>
+            <p:txBody>
+              <a:bodyPr rtlCol="0" anchor="ctr"/>
+              <a:lstStyle/>
+              <a:p>
+                <a:pPr algn="ctr"/>
+                <a:endParaRPr lang="en-US" sz="1400"/>
+              </a:p>
+            </p:txBody>
+          </p:sp>
+          <p:sp>
+            <p:nvSpPr>
+              <p:cNvPr id="38" name="Oval 37">
+                <a:extLst>
+                  <a:ext uri="{FF2B5EF4-FFF2-40B4-BE49-F238E27FC236}">
+                    <a16:creationId xmlns:a16="http://schemas.microsoft.com/office/drawing/2014/main" id="{3DBC582D-7BC9-2ED4-0D9E-5D05887716E2}"/>
+                  </a:ext>
+                </a:extLst>
+              </p:cNvPr>
+              <p:cNvSpPr/>
+              <p:nvPr/>
+            </p:nvSpPr>
+            <p:spPr>
+              <a:xfrm rot="16200000">
+                <a:off x="9855077" y="4946422"/>
+                <a:ext cx="203692" cy="203692"/>
+              </a:xfrm>
+              <a:prstGeom prst="ellipse">
+                <a:avLst/>
+              </a:prstGeom>
+              <a:solidFill>
+                <a:schemeClr val="bg1"/>
+              </a:solidFill>
+              <a:ln w="19050">
+                <a:solidFill>
+                  <a:schemeClr val="tx1"/>
+                </a:solidFill>
+              </a:ln>
+            </p:spPr>
+            <p:style>
+              <a:lnRef idx="2">
+                <a:schemeClr val="accent1">
+                  <a:shade val="50000"/>
+                </a:schemeClr>
+              </a:lnRef>
+              <a:fillRef idx="1">
+                <a:schemeClr val="accent1"/>
+              </a:fillRef>
+              <a:effectRef idx="0">
+                <a:schemeClr val="accent1"/>
+              </a:effectRef>
+              <a:fontRef idx="minor">
+                <a:schemeClr val="lt1"/>
+              </a:fontRef>
+            </p:style>
+            <p:txBody>
+              <a:bodyPr rtlCol="0" anchor="ctr"/>
+              <a:lstStyle/>
+              <a:p>
+                <a:pPr algn="ctr"/>
+                <a:endParaRPr lang="en-US" sz="1400"/>
+              </a:p>
+            </p:txBody>
+          </p:sp>
+          <p:sp>
+            <p:nvSpPr>
+              <p:cNvPr id="39" name="Oval 38">
+                <a:extLst>
+                  <a:ext uri="{FF2B5EF4-FFF2-40B4-BE49-F238E27FC236}">
+                    <a16:creationId xmlns:a16="http://schemas.microsoft.com/office/drawing/2014/main" id="{37F288AA-2C27-3BA5-9EDA-0255FA3C5664}"/>
+                  </a:ext>
+                </a:extLst>
+              </p:cNvPr>
+              <p:cNvSpPr/>
+              <p:nvPr/>
+            </p:nvSpPr>
+            <p:spPr>
+              <a:xfrm rot="16200000">
+                <a:off x="10059249" y="4946422"/>
+                <a:ext cx="203692" cy="203692"/>
+              </a:xfrm>
+              <a:prstGeom prst="ellipse">
+                <a:avLst/>
+              </a:prstGeom>
+              <a:solidFill>
+                <a:schemeClr val="bg1"/>
+              </a:solidFill>
+              <a:ln w="19050">
+                <a:solidFill>
+                  <a:schemeClr val="tx1"/>
+                </a:solidFill>
+              </a:ln>
+            </p:spPr>
+            <p:style>
+              <a:lnRef idx="2">
+                <a:schemeClr val="accent1">
+                  <a:shade val="50000"/>
+                </a:schemeClr>
+              </a:lnRef>
+              <a:fillRef idx="1">
+                <a:schemeClr val="accent1"/>
+              </a:fillRef>
+              <a:effectRef idx="0">
+                <a:schemeClr val="accent1"/>
+              </a:effectRef>
+              <a:fontRef idx="minor">
+                <a:schemeClr val="lt1"/>
+              </a:fontRef>
+            </p:style>
+            <p:txBody>
+              <a:bodyPr rtlCol="0" anchor="ctr"/>
+              <a:lstStyle/>
+              <a:p>
+                <a:pPr algn="ctr"/>
+                <a:endParaRPr lang="en-US" sz="1400"/>
+              </a:p>
+            </p:txBody>
+          </p:sp>
+          <p:sp>
+            <p:nvSpPr>
+              <p:cNvPr id="40" name="Oval 39">
+                <a:extLst>
+                  <a:ext uri="{FF2B5EF4-FFF2-40B4-BE49-F238E27FC236}">
+                    <a16:creationId xmlns:a16="http://schemas.microsoft.com/office/drawing/2014/main" id="{3754B817-051C-BFE8-E32F-F74F2CB1D8C9}"/>
+                  </a:ext>
+                </a:extLst>
+              </p:cNvPr>
+              <p:cNvSpPr/>
+              <p:nvPr/>
+            </p:nvSpPr>
+            <p:spPr>
+              <a:xfrm rot="16200000">
+                <a:off x="9436586" y="5152905"/>
+                <a:ext cx="203692" cy="203692"/>
+              </a:xfrm>
+              <a:prstGeom prst="ellipse">
+                <a:avLst/>
+              </a:prstGeom>
+              <a:solidFill>
+                <a:schemeClr val="bg1"/>
+              </a:solidFill>
+              <a:ln w="19050">
+                <a:solidFill>
+                  <a:schemeClr val="tx1"/>
+                </a:solidFill>
+              </a:ln>
+            </p:spPr>
+            <p:style>
+              <a:lnRef idx="2">
+                <a:schemeClr val="accent1">
+                  <a:shade val="50000"/>
+                </a:schemeClr>
+              </a:lnRef>
+              <a:fillRef idx="1">
+                <a:schemeClr val="accent1"/>
+              </a:fillRef>
+              <a:effectRef idx="0">
+                <a:schemeClr val="accent1"/>
+              </a:effectRef>
+              <a:fontRef idx="minor">
+                <a:schemeClr val="lt1"/>
+              </a:fontRef>
+            </p:style>
+            <p:txBody>
+              <a:bodyPr rtlCol="0" anchor="ctr"/>
+              <a:lstStyle/>
+              <a:p>
+                <a:pPr algn="ctr"/>
+                <a:endParaRPr lang="en-US" sz="1400"/>
+              </a:p>
+            </p:txBody>
+          </p:sp>
+          <p:sp>
+            <p:nvSpPr>
+              <p:cNvPr id="41" name="Oval 40">
+                <a:extLst>
+                  <a:ext uri="{FF2B5EF4-FFF2-40B4-BE49-F238E27FC236}">
+                    <a16:creationId xmlns:a16="http://schemas.microsoft.com/office/drawing/2014/main" id="{D1EB0A44-6DF9-20FC-220D-C77DB8EA0909}"/>
+                  </a:ext>
+                </a:extLst>
+              </p:cNvPr>
+              <p:cNvSpPr/>
+              <p:nvPr/>
+            </p:nvSpPr>
+            <p:spPr>
+              <a:xfrm rot="16200000">
+                <a:off x="9645723" y="5152905"/>
+                <a:ext cx="203692" cy="203692"/>
+              </a:xfrm>
+              <a:prstGeom prst="ellipse">
+                <a:avLst/>
+              </a:prstGeom>
+              <a:solidFill>
+                <a:schemeClr val="bg1"/>
+              </a:solidFill>
+              <a:ln w="19050">
+                <a:solidFill>
+                  <a:schemeClr val="tx1"/>
+                </a:solidFill>
+              </a:ln>
+            </p:spPr>
+            <p:style>
+              <a:lnRef idx="2">
+                <a:schemeClr val="accent1">
+                  <a:shade val="50000"/>
+                </a:schemeClr>
+              </a:lnRef>
+              <a:fillRef idx="1">
+                <a:schemeClr val="accent1"/>
+              </a:fillRef>
+              <a:effectRef idx="0">
+                <a:schemeClr val="accent1"/>
+              </a:effectRef>
+              <a:fontRef idx="minor">
+                <a:schemeClr val="lt1"/>
+              </a:fontRef>
+            </p:style>
+            <p:txBody>
+              <a:bodyPr rtlCol="0" anchor="ctr"/>
+              <a:lstStyle/>
+              <a:p>
+                <a:pPr algn="ctr"/>
+                <a:endParaRPr lang="en-US" sz="1400"/>
+              </a:p>
+            </p:txBody>
+          </p:sp>
+          <p:sp>
+            <p:nvSpPr>
+              <p:cNvPr id="42" name="Oval 41">
+                <a:extLst>
+                  <a:ext uri="{FF2B5EF4-FFF2-40B4-BE49-F238E27FC236}">
+                    <a16:creationId xmlns:a16="http://schemas.microsoft.com/office/drawing/2014/main" id="{CED2B80A-C5CB-73A5-877C-1B7DFC8A33F2}"/>
+                  </a:ext>
+                </a:extLst>
+              </p:cNvPr>
+              <p:cNvSpPr/>
+              <p:nvPr/>
+            </p:nvSpPr>
+            <p:spPr>
+              <a:xfrm rot="16200000">
+                <a:off x="10264135" y="5152905"/>
+                <a:ext cx="203692" cy="203692"/>
+              </a:xfrm>
+              <a:prstGeom prst="ellipse">
+                <a:avLst/>
+              </a:prstGeom>
+              <a:solidFill>
+                <a:schemeClr val="tx1">
+                  <a:lumMod val="65000"/>
+                  <a:lumOff val="35000"/>
+                </a:schemeClr>
+              </a:solidFill>
+              <a:ln w="19050">
+                <a:solidFill>
+                  <a:schemeClr val="tx1"/>
+                </a:solidFill>
+              </a:ln>
+            </p:spPr>
+            <p:style>
+              <a:lnRef idx="2">
+                <a:schemeClr val="accent1">
+                  <a:shade val="50000"/>
+                </a:schemeClr>
+              </a:lnRef>
+              <a:fillRef idx="1">
+                <a:schemeClr val="accent1"/>
+              </a:fillRef>
+              <a:effectRef idx="0">
+                <a:schemeClr val="accent1"/>
+              </a:effectRef>
+              <a:fontRef idx="minor">
+                <a:schemeClr val="lt1"/>
+              </a:fontRef>
+            </p:style>
+            <p:txBody>
+              <a:bodyPr rtlCol="0" anchor="ctr"/>
+              <a:lstStyle/>
+              <a:p>
+                <a:pPr algn="ctr"/>
+                <a:endParaRPr lang="en-US" sz="1400"/>
+              </a:p>
+            </p:txBody>
+          </p:sp>
+          <p:sp>
+            <p:nvSpPr>
+              <p:cNvPr id="43" name="Oval 42">
+                <a:extLst>
+                  <a:ext uri="{FF2B5EF4-FFF2-40B4-BE49-F238E27FC236}">
+                    <a16:creationId xmlns:a16="http://schemas.microsoft.com/office/drawing/2014/main" id="{850A7C7B-3FA6-1EC3-28C2-1277867C13FE}"/>
+                  </a:ext>
+                </a:extLst>
+              </p:cNvPr>
+              <p:cNvSpPr/>
+              <p:nvPr/>
+            </p:nvSpPr>
+            <p:spPr>
+              <a:xfrm rot="16200000">
+                <a:off x="9855077" y="5152905"/>
+                <a:ext cx="203692" cy="203692"/>
+              </a:xfrm>
+              <a:prstGeom prst="ellipse">
+                <a:avLst/>
+              </a:prstGeom>
+              <a:solidFill>
+                <a:schemeClr val="bg1"/>
+              </a:solidFill>
+              <a:ln w="19050">
+                <a:solidFill>
+                  <a:schemeClr val="tx1"/>
+                </a:solidFill>
+              </a:ln>
+            </p:spPr>
+            <p:style>
+              <a:lnRef idx="2">
+                <a:schemeClr val="accent1">
+                  <a:shade val="50000"/>
+                </a:schemeClr>
+              </a:lnRef>
+              <a:fillRef idx="1">
+                <a:schemeClr val="accent1"/>
+              </a:fillRef>
+              <a:effectRef idx="0">
+                <a:schemeClr val="accent1"/>
+              </a:effectRef>
+              <a:fontRef idx="minor">
+                <a:schemeClr val="lt1"/>
+              </a:fontRef>
+            </p:style>
+            <p:txBody>
+              <a:bodyPr rtlCol="0" anchor="ctr"/>
+              <a:lstStyle/>
+              <a:p>
+                <a:pPr algn="ctr"/>
+                <a:endParaRPr lang="en-US" sz="1400"/>
+              </a:p>
+            </p:txBody>
+          </p:sp>
+          <p:sp>
+            <p:nvSpPr>
+              <p:cNvPr id="44" name="Oval 43">
+                <a:extLst>
+                  <a:ext uri="{FF2B5EF4-FFF2-40B4-BE49-F238E27FC236}">
+                    <a16:creationId xmlns:a16="http://schemas.microsoft.com/office/drawing/2014/main" id="{F97B29F7-B17D-2B6A-22F6-0C45E0DC269E}"/>
+                  </a:ext>
+                </a:extLst>
+              </p:cNvPr>
+              <p:cNvSpPr/>
+              <p:nvPr/>
+            </p:nvSpPr>
+            <p:spPr>
+              <a:xfrm rot="16200000">
+                <a:off x="10059249" y="5152905"/>
+                <a:ext cx="203692" cy="203692"/>
+              </a:xfrm>
+              <a:prstGeom prst="ellipse">
+                <a:avLst/>
+              </a:prstGeom>
+              <a:solidFill>
+                <a:schemeClr val="tx1">
+                  <a:lumMod val="65000"/>
+                  <a:lumOff val="35000"/>
+                </a:schemeClr>
+              </a:solidFill>
+              <a:ln w="19050">
+                <a:solidFill>
+                  <a:schemeClr val="tx1"/>
+                </a:solidFill>
+              </a:ln>
+            </p:spPr>
+            <p:style>
+              <a:lnRef idx="2">
+                <a:schemeClr val="accent1">
+                  <a:shade val="50000"/>
+                </a:schemeClr>
+              </a:lnRef>
+              <a:fillRef idx="1">
+                <a:schemeClr val="accent1"/>
+              </a:fillRef>
+              <a:effectRef idx="0">
+                <a:schemeClr val="accent1"/>
+              </a:effectRef>
+              <a:fontRef idx="minor">
+                <a:schemeClr val="lt1"/>
+              </a:fontRef>
+            </p:style>
+            <p:txBody>
+              <a:bodyPr rtlCol="0" anchor="ctr"/>
+              <a:lstStyle/>
+              <a:p>
+                <a:pPr algn="ctr"/>
+                <a:endParaRPr lang="en-US" sz="1400"/>
+              </a:p>
+            </p:txBody>
+          </p:sp>
+          <p:sp>
+            <p:nvSpPr>
+              <p:cNvPr id="49" name="Oval 48">
+                <a:extLst>
+                  <a:ext uri="{FF2B5EF4-FFF2-40B4-BE49-F238E27FC236}">
+                    <a16:creationId xmlns:a16="http://schemas.microsoft.com/office/drawing/2014/main" id="{7D8F8AF9-A1E9-FFEA-2CBB-03251922A794}"/>
+                  </a:ext>
+                </a:extLst>
+              </p:cNvPr>
+              <p:cNvSpPr/>
+              <p:nvPr/>
+            </p:nvSpPr>
+            <p:spPr>
+              <a:xfrm rot="16200000">
+                <a:off x="9436586" y="5365012"/>
+                <a:ext cx="203692" cy="203692"/>
+              </a:xfrm>
+              <a:prstGeom prst="ellipse">
+                <a:avLst/>
+              </a:prstGeom>
+              <a:solidFill>
+                <a:schemeClr val="tx1">
+                  <a:lumMod val="65000"/>
+                  <a:lumOff val="35000"/>
+                </a:schemeClr>
+              </a:solidFill>
+              <a:ln w="19050">
+                <a:solidFill>
+                  <a:schemeClr val="tx1"/>
+                </a:solidFill>
+              </a:ln>
+            </p:spPr>
+            <p:style>
+              <a:lnRef idx="2">
+                <a:schemeClr val="accent1">
+                  <a:shade val="50000"/>
+                </a:schemeClr>
+              </a:lnRef>
+              <a:fillRef idx="1">
+                <a:schemeClr val="accent1"/>
+              </a:fillRef>
+              <a:effectRef idx="0">
+                <a:schemeClr val="accent1"/>
+              </a:effectRef>
+              <a:fontRef idx="minor">
+                <a:schemeClr val="lt1"/>
+              </a:fontRef>
+            </p:style>
+            <p:txBody>
+              <a:bodyPr rtlCol="0" anchor="ctr"/>
+              <a:lstStyle/>
+              <a:p>
+                <a:pPr algn="ctr"/>
+                <a:endParaRPr lang="en-US" sz="1400"/>
+              </a:p>
+            </p:txBody>
+          </p:sp>
+          <p:sp>
+            <p:nvSpPr>
+              <p:cNvPr id="54" name="Oval 53">
+                <a:extLst>
+                  <a:ext uri="{FF2B5EF4-FFF2-40B4-BE49-F238E27FC236}">
+                    <a16:creationId xmlns:a16="http://schemas.microsoft.com/office/drawing/2014/main" id="{25098A17-713D-ACF1-AF6A-42F8239FF97E}"/>
+                  </a:ext>
+                </a:extLst>
+              </p:cNvPr>
+              <p:cNvSpPr/>
+              <p:nvPr/>
+            </p:nvSpPr>
+            <p:spPr>
+              <a:xfrm rot="16200000">
+                <a:off x="9645723" y="5365012"/>
+                <a:ext cx="203692" cy="203692"/>
+              </a:xfrm>
+              <a:prstGeom prst="ellipse">
+                <a:avLst/>
+              </a:prstGeom>
+              <a:solidFill>
+                <a:schemeClr val="tx1">
+                  <a:lumMod val="65000"/>
+                  <a:lumOff val="35000"/>
+                </a:schemeClr>
+              </a:solidFill>
+              <a:ln w="19050">
+                <a:solidFill>
+                  <a:schemeClr val="tx1"/>
+                </a:solidFill>
+              </a:ln>
+            </p:spPr>
+            <p:style>
+              <a:lnRef idx="2">
+                <a:schemeClr val="accent1">
+                  <a:shade val="50000"/>
+                </a:schemeClr>
+              </a:lnRef>
+              <a:fillRef idx="1">
+                <a:schemeClr val="accent1"/>
+              </a:fillRef>
+              <a:effectRef idx="0">
+                <a:schemeClr val="accent1"/>
+              </a:effectRef>
+              <a:fontRef idx="minor">
+                <a:schemeClr val="lt1"/>
+              </a:fontRef>
+            </p:style>
+            <p:txBody>
+              <a:bodyPr rtlCol="0" anchor="ctr"/>
+              <a:lstStyle/>
+              <a:p>
+                <a:pPr algn="ctr"/>
+                <a:endParaRPr lang="en-US" sz="1400"/>
+              </a:p>
+            </p:txBody>
+          </p:sp>
+          <p:sp>
+            <p:nvSpPr>
+              <p:cNvPr id="55" name="Oval 54">
+                <a:extLst>
+                  <a:ext uri="{FF2B5EF4-FFF2-40B4-BE49-F238E27FC236}">
+                    <a16:creationId xmlns:a16="http://schemas.microsoft.com/office/drawing/2014/main" id="{44749C0B-7E99-7A91-BD83-40D51D45C306}"/>
+                  </a:ext>
+                </a:extLst>
+              </p:cNvPr>
+              <p:cNvSpPr/>
+              <p:nvPr/>
+            </p:nvSpPr>
+            <p:spPr>
+              <a:xfrm rot="16200000">
+                <a:off x="10264135" y="5365012"/>
+                <a:ext cx="203692" cy="203692"/>
+              </a:xfrm>
+              <a:prstGeom prst="ellipse">
+                <a:avLst/>
+              </a:prstGeom>
+              <a:solidFill>
+                <a:schemeClr val="bg1"/>
+              </a:solidFill>
+              <a:ln w="19050">
+                <a:solidFill>
+                  <a:schemeClr val="tx1"/>
+                </a:solidFill>
+              </a:ln>
+            </p:spPr>
+            <p:style>
+              <a:lnRef idx="2">
+                <a:schemeClr val="accent1">
+                  <a:shade val="50000"/>
+                </a:schemeClr>
+              </a:lnRef>
+              <a:fillRef idx="1">
+                <a:schemeClr val="accent1"/>
+              </a:fillRef>
+              <a:effectRef idx="0">
+                <a:schemeClr val="accent1"/>
+              </a:effectRef>
+              <a:fontRef idx="minor">
+                <a:schemeClr val="lt1"/>
+              </a:fontRef>
+            </p:style>
+            <p:txBody>
+              <a:bodyPr rtlCol="0" anchor="ctr"/>
+              <a:lstStyle/>
+              <a:p>
+                <a:pPr algn="ctr"/>
+                <a:endParaRPr lang="en-US" sz="1400"/>
+              </a:p>
+            </p:txBody>
+          </p:sp>
+          <p:sp>
+            <p:nvSpPr>
+              <p:cNvPr id="57" name="Oval 56">
+                <a:extLst>
+                  <a:ext uri="{FF2B5EF4-FFF2-40B4-BE49-F238E27FC236}">
+                    <a16:creationId xmlns:a16="http://schemas.microsoft.com/office/drawing/2014/main" id="{51D4398F-A301-1D85-1055-95F678003681}"/>
+                  </a:ext>
+                </a:extLst>
+              </p:cNvPr>
+              <p:cNvSpPr/>
+              <p:nvPr/>
+            </p:nvSpPr>
+            <p:spPr>
+              <a:xfrm rot="16200000">
+                <a:off x="9855077" y="5365012"/>
+                <a:ext cx="203692" cy="203692"/>
+              </a:xfrm>
+              <a:prstGeom prst="ellipse">
+                <a:avLst/>
+              </a:prstGeom>
+              <a:solidFill>
+                <a:schemeClr val="bg1"/>
+              </a:solidFill>
+              <a:ln w="19050">
+                <a:solidFill>
+                  <a:schemeClr val="tx1"/>
+                </a:solidFill>
+              </a:ln>
+            </p:spPr>
+            <p:style>
+              <a:lnRef idx="2">
+                <a:schemeClr val="accent1">
+                  <a:shade val="50000"/>
+                </a:schemeClr>
+              </a:lnRef>
+              <a:fillRef idx="1">
+                <a:schemeClr val="accent1"/>
+              </a:fillRef>
+              <a:effectRef idx="0">
+                <a:schemeClr val="accent1"/>
+              </a:effectRef>
+              <a:fontRef idx="minor">
+                <a:schemeClr val="lt1"/>
+              </a:fontRef>
+            </p:style>
+            <p:txBody>
+              <a:bodyPr rtlCol="0" anchor="ctr"/>
+              <a:lstStyle/>
+              <a:p>
+                <a:pPr algn="ctr"/>
+                <a:endParaRPr lang="en-US" sz="1400"/>
+              </a:p>
+            </p:txBody>
+          </p:sp>
+          <p:sp>
+            <p:nvSpPr>
+              <p:cNvPr id="58" name="Oval 57">
+                <a:extLst>
+                  <a:ext uri="{FF2B5EF4-FFF2-40B4-BE49-F238E27FC236}">
+                    <a16:creationId xmlns:a16="http://schemas.microsoft.com/office/drawing/2014/main" id="{B678151B-4893-D4F7-49EA-BBC623EFA02B}"/>
+                  </a:ext>
+                </a:extLst>
+              </p:cNvPr>
+              <p:cNvSpPr/>
+              <p:nvPr/>
+            </p:nvSpPr>
+            <p:spPr>
+              <a:xfrm rot="16200000">
+                <a:off x="10059249" y="5365012"/>
+                <a:ext cx="203692" cy="203692"/>
+              </a:xfrm>
+              <a:prstGeom prst="ellipse">
+                <a:avLst/>
+              </a:prstGeom>
+              <a:solidFill>
+                <a:schemeClr val="tx1">
+                  <a:lumMod val="65000"/>
+                  <a:lumOff val="35000"/>
+                </a:schemeClr>
+              </a:solidFill>
+              <a:ln w="19050">
+                <a:solidFill>
+                  <a:schemeClr val="tx1"/>
+                </a:solidFill>
+              </a:ln>
+            </p:spPr>
+            <p:style>
+              <a:lnRef idx="2">
+                <a:schemeClr val="accent1">
+                  <a:shade val="50000"/>
+                </a:schemeClr>
+              </a:lnRef>
+              <a:fillRef idx="1">
+                <a:schemeClr val="accent1"/>
+              </a:fillRef>
+              <a:effectRef idx="0">
+                <a:schemeClr val="accent1"/>
+              </a:effectRef>
+              <a:fontRef idx="minor">
+                <a:schemeClr val="lt1"/>
+              </a:fontRef>
+            </p:style>
+            <p:txBody>
+              <a:bodyPr rtlCol="0" anchor="ctr"/>
+              <a:lstStyle/>
+              <a:p>
+                <a:pPr algn="ctr"/>
+                <a:endParaRPr lang="en-US" sz="1400"/>
+              </a:p>
+            </p:txBody>
+          </p:sp>
+        </p:grpSp>
       </p:grpSp>
     </p:spTree>
     <p:extLst>
@@ -15447,7 +17259,7 @@
           <p:spPr>
             <a:xfrm>
               <a:off x="5240614" y="1569036"/>
-              <a:ext cx="442750" cy="400110"/>
+              <a:ext cx="473206" cy="400110"/>
             </a:xfrm>
             <a:prstGeom prst="rect">
               <a:avLst/>
@@ -15465,7 +17277,7 @@
                   <a:latin typeface="Times New Roman" panose="02020603050405020304" pitchFamily="18" charset="0"/>
                   <a:cs typeface="Times New Roman" panose="02020603050405020304" pitchFamily="18" charset="0"/>
                 </a:rPr>
-                <a:t>x</a:t>
+                <a:t>X</a:t>
               </a:r>
               <a:r>
                 <a:rPr lang="en-US" sz="1000" b="1" i="1" dirty="0">
@@ -15547,7 +17359,7 @@
           <p:spPr>
             <a:xfrm>
               <a:off x="9051120" y="2598918"/>
-              <a:ext cx="391454" cy="400110"/>
+              <a:ext cx="423514" cy="400110"/>
             </a:xfrm>
             <a:prstGeom prst="rect">
               <a:avLst/>
@@ -15565,7 +17377,7 @@
                   <a:latin typeface="Times New Roman" panose="02020603050405020304" pitchFamily="18" charset="0"/>
                   <a:cs typeface="Times New Roman" panose="02020603050405020304" pitchFamily="18" charset="0"/>
                 </a:rPr>
-                <a:t>y</a:t>
+                <a:t>Y</a:t>
               </a:r>
               <a:r>
                 <a:rPr lang="en-US" sz="1050" b="1" i="1" dirty="0">
@@ -15648,7 +17460,7 @@
           <p:spPr>
             <a:xfrm>
               <a:off x="7144570" y="1569036"/>
-              <a:ext cx="458780" cy="400110"/>
+              <a:ext cx="494046" cy="400110"/>
             </a:xfrm>
             <a:prstGeom prst="rect">
               <a:avLst/>
@@ -15663,7 +17475,7 @@
             <a:p>
               <a:r>
                 <a:rPr lang="en-US" sz="2000" b="1" i="1" dirty="0">
-                  <a:latin typeface="Times New Roman" panose="02020603050405020304" pitchFamily="18" charset="0"/>
+                  <a:latin typeface="ACADEMY ENGRAVED LET PLAIN:1.0" panose="02000000000000000000" pitchFamily="2" charset="0"/>
                   <a:cs typeface="Times New Roman" panose="02020603050405020304" pitchFamily="18" charset="0"/>
                 </a:rPr>
                 <a:t>P</a:t>
@@ -15673,7 +17485,7 @@
                   <a:latin typeface="Times New Roman" panose="02020603050405020304" pitchFamily="18" charset="0"/>
                   <a:cs typeface="Times New Roman" panose="02020603050405020304" pitchFamily="18" charset="0"/>
                 </a:rPr>
-                <a:t> </a:t>
+                <a:t>  </a:t>
               </a:r>
               <a:r>
                 <a:rPr lang="en-US" sz="2000" i="1" baseline="30000" dirty="0">
@@ -15792,7 +17604,7 @@
           <p:spPr>
             <a:xfrm>
               <a:off x="5240614" y="3835921"/>
-              <a:ext cx="393056" cy="400110"/>
+              <a:ext cx="436338" cy="400110"/>
             </a:xfrm>
             <a:prstGeom prst="rect">
               <a:avLst/>
@@ -15810,63 +17622,7 @@
                   <a:latin typeface="Times New Roman" panose="02020603050405020304" pitchFamily="18" charset="0"/>
                   <a:cs typeface="Times New Roman" panose="02020603050405020304" pitchFamily="18" charset="0"/>
                 </a:rPr>
-                <a:t>x</a:t>
-              </a:r>
-              <a:r>
-                <a:rPr lang="en-US" sz="1000" b="1" i="1" dirty="0">
-                  <a:latin typeface="Times New Roman" panose="02020603050405020304" pitchFamily="18" charset="0"/>
-                  <a:cs typeface="Times New Roman" panose="02020603050405020304" pitchFamily="18" charset="0"/>
-                </a:rPr>
-                <a:t> </a:t>
-              </a:r>
-              <a:r>
-                <a:rPr lang="en-US" sz="2000" i="1" baseline="30000" dirty="0">
-                  <a:latin typeface="Times New Roman" panose="02020603050405020304" pitchFamily="18" charset="0"/>
-                  <a:cs typeface="Times New Roman" panose="02020603050405020304" pitchFamily="18" charset="0"/>
-                </a:rPr>
-                <a:t>t</a:t>
-              </a:r>
-              <a:endParaRPr lang="en-US" i="1" baseline="30000" dirty="0">
-                <a:latin typeface="Times New Roman" panose="02020603050405020304" pitchFamily="18" charset="0"/>
-                <a:cs typeface="Times New Roman" panose="02020603050405020304" pitchFamily="18" charset="0"/>
-              </a:endParaRPr>
-            </a:p>
-          </p:txBody>
-        </p:sp>
-        <p:sp>
-          <p:nvSpPr>
-            <p:cNvPr id="177" name="Textfeld 176">
-              <a:extLst>
-                <a:ext uri="{FF2B5EF4-FFF2-40B4-BE49-F238E27FC236}">
-                  <a16:creationId xmlns:a16="http://schemas.microsoft.com/office/drawing/2014/main" id="{C5F712EB-B112-7207-7968-788930749446}"/>
-                </a:ext>
-              </a:extLst>
-            </p:cNvPr>
-            <p:cNvSpPr txBox="1"/>
-            <p:nvPr/>
-          </p:nvSpPr>
-          <p:spPr>
-            <a:xfrm>
-              <a:off x="7144570" y="3836247"/>
-              <a:ext cx="421910" cy="400110"/>
-            </a:xfrm>
-            <a:prstGeom prst="rect">
-              <a:avLst/>
-            </a:prstGeom>
-            <a:noFill/>
-          </p:spPr>
-          <p:txBody>
-            <a:bodyPr wrap="none" rtlCol="0">
-              <a:spAutoFit/>
-            </a:bodyPr>
-            <a:lstStyle/>
-            <a:p>
-              <a:r>
-                <a:rPr lang="en-US" sz="2000" b="1" i="1" dirty="0">
-                  <a:latin typeface="Times New Roman" panose="02020603050405020304" pitchFamily="18" charset="0"/>
-                  <a:cs typeface="Times New Roman" panose="02020603050405020304" pitchFamily="18" charset="0"/>
-                </a:rPr>
-                <a:t>P</a:t>
+                <a:t>X</a:t>
               </a:r>
               <a:r>
                 <a:rPr lang="en-US" sz="1000" b="1" i="1" dirty="0">
@@ -16028,6 +17784,62 @@
             <a:p>
               <a:pPr algn="ctr"/>
               <a:endParaRPr lang="en-US"/>
+            </a:p>
+          </p:txBody>
+        </p:sp>
+        <p:sp>
+          <p:nvSpPr>
+            <p:cNvPr id="3" name="Textfeld 2">
+              <a:extLst>
+                <a:ext uri="{FF2B5EF4-FFF2-40B4-BE49-F238E27FC236}">
+                  <a16:creationId xmlns:a16="http://schemas.microsoft.com/office/drawing/2014/main" id="{0F604902-B520-59DF-3CDC-71E2E7D8C446}"/>
+                </a:ext>
+              </a:extLst>
+            </p:cNvPr>
+            <p:cNvSpPr txBox="1"/>
+            <p:nvPr/>
+          </p:nvSpPr>
+          <p:spPr>
+            <a:xfrm>
+              <a:off x="7095238" y="3885893"/>
+              <a:ext cx="457176" cy="400110"/>
+            </a:xfrm>
+            <a:prstGeom prst="rect">
+              <a:avLst/>
+            </a:prstGeom>
+            <a:noFill/>
+          </p:spPr>
+          <p:txBody>
+            <a:bodyPr wrap="none" rtlCol="0">
+              <a:spAutoFit/>
+            </a:bodyPr>
+            <a:lstStyle/>
+            <a:p>
+              <a:r>
+                <a:rPr lang="en-US" sz="2000" b="1" i="1" dirty="0">
+                  <a:latin typeface="ACADEMY ENGRAVED LET PLAIN:1.0" panose="02000000000000000000" pitchFamily="2" charset="0"/>
+                  <a:cs typeface="Times New Roman" panose="02020603050405020304" pitchFamily="18" charset="0"/>
+                </a:rPr>
+                <a:t>P</a:t>
+              </a:r>
+              <a:r>
+                <a:rPr lang="en-US" sz="1000" b="1" i="1" dirty="0">
+                  <a:latin typeface="Times New Roman" panose="02020603050405020304" pitchFamily="18" charset="0"/>
+                  <a:cs typeface="Times New Roman" panose="02020603050405020304" pitchFamily="18" charset="0"/>
+                </a:rPr>
+                <a:t>  </a:t>
+              </a:r>
+              <a:r>
+                <a:rPr lang="en-US" sz="2000" i="1" baseline="30000" dirty="0">
+                  <a:latin typeface="Times New Roman" panose="02020603050405020304" pitchFamily="18" charset="0"/>
+                  <a:cs typeface="Times New Roman" panose="02020603050405020304" pitchFamily="18" charset="0"/>
+                </a:rPr>
+                <a:t>t</a:t>
+              </a:r>
+              <a:endParaRPr lang="en-US" i="1" baseline="30000" dirty="0">
+                <a:latin typeface="Times New Roman" panose="02020603050405020304" pitchFamily="18" charset="0"/>
+                <a:cs typeface="Times New Roman" panose="02020603050405020304" pitchFamily="18" charset="0"/>
+              </a:endParaRPr>
             </a:p>
           </p:txBody>
         </p:sp>

--- a/doc/Sequence Memory.pptx
+++ b/doc/Sequence Memory.pptx
@@ -5,7 +5,7 @@
     <p:sldMasterId id="2147483648" r:id="rId1"/>
   </p:sldMasterIdLst>
   <p:notesMasterIdLst>
-    <p:notesMasterId r:id="rId19"/>
+    <p:notesMasterId r:id="rId20"/>
   </p:notesMasterIdLst>
   <p:sldIdLst>
     <p:sldId id="256" r:id="rId2"/>
@@ -25,6 +25,7 @@
     <p:sldId id="261" r:id="rId16"/>
     <p:sldId id="262" r:id="rId17"/>
     <p:sldId id="271" r:id="rId18"/>
+    <p:sldId id="273" r:id="rId19"/>
   </p:sldIdLst>
   <p:sldSz cx="12192000" cy="6858000"/>
   <p:notesSz cx="6858000" cy="9144000"/>
@@ -1060,6 +1061,90 @@
     <p:extLst>
       <p:ext uri="{BB962C8B-B14F-4D97-AF65-F5344CB8AC3E}">
         <p14:creationId xmlns:p14="http://schemas.microsoft.com/office/powerpoint/2010/main" val="3387136189"/>
+      </p:ext>
+    </p:extLst>
+  </p:cSld>
+  <p:clrMapOvr>
+    <a:masterClrMapping/>
+  </p:clrMapOvr>
+</p:notes>
+</file>
+
+<file path=ppt/notesSlides/notesSlide8.xml><?xml version="1.0" encoding="utf-8"?>
+<p:notes xmlns:a="http://schemas.openxmlformats.org/drawingml/2006/main" xmlns:r="http://schemas.openxmlformats.org/officeDocument/2006/relationships" xmlns:p="http://schemas.openxmlformats.org/presentationml/2006/main">
+  <p:cSld>
+    <p:spTree>
+      <p:nvGrpSpPr>
+        <p:cNvPr id="1" name=""/>
+        <p:cNvGrpSpPr/>
+        <p:nvPr/>
+      </p:nvGrpSpPr>
+      <p:grpSpPr>
+        <a:xfrm>
+          <a:off x="0" y="0"/>
+          <a:ext cx="0" cy="0"/>
+          <a:chOff x="0" y="0"/>
+          <a:chExt cx="0" cy="0"/>
+        </a:xfrm>
+      </p:grpSpPr>
+      <p:sp>
+        <p:nvSpPr>
+          <p:cNvPr id="2" name="Folienbildplatzhalter 1"/>
+          <p:cNvSpPr>
+            <a:spLocks noGrp="1" noRot="1" noChangeAspect="1"/>
+          </p:cNvSpPr>
+          <p:nvPr>
+            <p:ph type="sldImg"/>
+          </p:nvPr>
+        </p:nvSpPr>
+        <p:spPr/>
+      </p:sp>
+      <p:sp>
+        <p:nvSpPr>
+          <p:cNvPr id="3" name="Notizenplatzhalter 2"/>
+          <p:cNvSpPr>
+            <a:spLocks noGrp="1"/>
+          </p:cNvSpPr>
+          <p:nvPr>
+            <p:ph type="body" idx="1"/>
+          </p:nvPr>
+        </p:nvSpPr>
+        <p:spPr/>
+        <p:txBody>
+          <a:bodyPr/>
+          <a:lstStyle/>
+          <a:p>
+            <a:endParaRPr lang="en-US" dirty="0"/>
+          </a:p>
+        </p:txBody>
+      </p:sp>
+      <p:sp>
+        <p:nvSpPr>
+          <p:cNvPr id="4" name="Foliennummernplatzhalter 3"/>
+          <p:cNvSpPr>
+            <a:spLocks noGrp="1"/>
+          </p:cNvSpPr>
+          <p:nvPr>
+            <p:ph type="sldNum" sz="quarter" idx="5"/>
+          </p:nvPr>
+        </p:nvSpPr>
+        <p:spPr/>
+        <p:txBody>
+          <a:bodyPr/>
+          <a:lstStyle/>
+          <a:p>
+            <a:fld id="{C92A1811-5870-B04B-BFAC-7255E544D666}" type="slidenum">
+              <a:rPr lang="en-US" smtClean="0"/>
+              <a:t>18</a:t>
+            </a:fld>
+            <a:endParaRPr lang="en-US"/>
+          </a:p>
+        </p:txBody>
+      </p:sp>
+    </p:spTree>
+    <p:extLst>
+      <p:ext uri="{BB962C8B-B14F-4D97-AF65-F5344CB8AC3E}">
+        <p14:creationId xmlns:p14="http://schemas.microsoft.com/office/powerpoint/2010/main" val="3509226184"/>
       </p:ext>
     </p:extLst>
   </p:cSld>
@@ -6192,8 +6277,8 @@
               </a:p>
             </p:txBody>
           </p:sp>
-          <mc:AlternateContent xmlns:mc="http://schemas.openxmlformats.org/markup-compatibility/2006">
-            <mc:Choice xmlns:a14="http://schemas.microsoft.com/office/drawing/2010/main" Requires="a14">
+          <mc:AlternateContent xmlns:mc="http://schemas.openxmlformats.org/markup-compatibility/2006" xmlns:a14="http://schemas.microsoft.com/office/drawing/2010/main">
+            <mc:Choice Requires="a14">
               <p:sp>
                 <p:nvSpPr>
                   <p:cNvPr id="15" name="Textfeld 14">
@@ -6265,7 +6350,7 @@
                 </p:txBody>
               </p:sp>
             </mc:Choice>
-            <mc:Fallback>
+            <mc:Fallback xmlns="">
               <p:sp>
                 <p:nvSpPr>
                   <p:cNvPr id="15" name="Textfeld 14">
@@ -32309,6 +32394,154 @@
 </p:sld>
 </file>
 
+<file path=ppt/slides/slide18.xml><?xml version="1.0" encoding="utf-8"?>
+<p:sld xmlns:a="http://schemas.openxmlformats.org/drawingml/2006/main" xmlns:r="http://schemas.openxmlformats.org/officeDocument/2006/relationships" xmlns:p="http://schemas.openxmlformats.org/presentationml/2006/main">
+  <p:cSld>
+    <p:spTree>
+      <p:nvGrpSpPr>
+        <p:cNvPr id="1" name=""/>
+        <p:cNvGrpSpPr/>
+        <p:nvPr/>
+      </p:nvGrpSpPr>
+      <p:grpSpPr>
+        <a:xfrm>
+          <a:off x="0" y="0"/>
+          <a:ext cx="0" cy="0"/>
+          <a:chOff x="0" y="0"/>
+          <a:chExt cx="0" cy="0"/>
+        </a:xfrm>
+      </p:grpSpPr>
+      <p:pic>
+        <p:nvPicPr>
+          <p:cNvPr id="4" name="Grafik 3">
+            <a:extLst>
+              <a:ext uri="{FF2B5EF4-FFF2-40B4-BE49-F238E27FC236}">
+                <a16:creationId xmlns:a16="http://schemas.microsoft.com/office/drawing/2014/main" id="{6CE8D685-7561-DCCE-B3B0-4A95C82CFA06}"/>
+              </a:ext>
+            </a:extLst>
+          </p:cNvPr>
+          <p:cNvPicPr>
+            <a:picLocks noChangeAspect="1"/>
+          </p:cNvPicPr>
+          <p:nvPr/>
+        </p:nvPicPr>
+        <p:blipFill>
+          <a:blip r:embed="rId3"/>
+          <a:stretch>
+            <a:fillRect/>
+          </a:stretch>
+        </p:blipFill>
+        <p:spPr>
+          <a:xfrm>
+            <a:off x="1814030" y="3969026"/>
+            <a:ext cx="9041020" cy="2534371"/>
+          </a:xfrm>
+          <a:prstGeom prst="rect">
+            <a:avLst/>
+          </a:prstGeom>
+        </p:spPr>
+      </p:pic>
+      <p:pic>
+        <p:nvPicPr>
+          <p:cNvPr id="2" name="Grafik 1">
+            <a:extLst>
+              <a:ext uri="{FF2B5EF4-FFF2-40B4-BE49-F238E27FC236}">
+                <a16:creationId xmlns:a16="http://schemas.microsoft.com/office/drawing/2014/main" id="{65D72667-ACA9-3CF7-907B-C7F6201D55AE}"/>
+              </a:ext>
+            </a:extLst>
+          </p:cNvPr>
+          <p:cNvPicPr>
+            <a:picLocks noChangeAspect="1"/>
+          </p:cNvPicPr>
+          <p:nvPr/>
+        </p:nvPicPr>
+        <p:blipFill rotWithShape="1">
+          <a:blip r:embed="rId4"/>
+          <a:srcRect t="90765" r="44373" b="-2130"/>
+          <a:stretch/>
+        </p:blipFill>
+        <p:spPr>
+          <a:xfrm>
+            <a:off x="3934239" y="5632174"/>
+            <a:ext cx="4323522" cy="636370"/>
+          </a:xfrm>
+          <a:prstGeom prst="rect">
+            <a:avLst/>
+          </a:prstGeom>
+        </p:spPr>
+      </p:pic>
+      <p:pic>
+        <p:nvPicPr>
+          <p:cNvPr id="3" name="Grafik 2">
+            <a:extLst>
+              <a:ext uri="{FF2B5EF4-FFF2-40B4-BE49-F238E27FC236}">
+                <a16:creationId xmlns:a16="http://schemas.microsoft.com/office/drawing/2014/main" id="{59EF75C4-AE91-A981-9E5D-358AE0281EF3}"/>
+              </a:ext>
+            </a:extLst>
+          </p:cNvPr>
+          <p:cNvPicPr>
+            <a:picLocks noChangeAspect="1"/>
+          </p:cNvPicPr>
+          <p:nvPr/>
+        </p:nvPicPr>
+        <p:blipFill rotWithShape="1">
+          <a:blip r:embed="rId4"/>
+          <a:srcRect b="8525"/>
+          <a:stretch/>
+        </p:blipFill>
+        <p:spPr>
+          <a:xfrm>
+            <a:off x="2448340" y="589456"/>
+            <a:ext cx="7772400" cy="5122231"/>
+          </a:xfrm>
+          <a:prstGeom prst="rect">
+            <a:avLst/>
+          </a:prstGeom>
+        </p:spPr>
+      </p:pic>
+      <p:pic>
+        <p:nvPicPr>
+          <p:cNvPr id="7" name="Grafik 6">
+            <a:extLst>
+              <a:ext uri="{FF2B5EF4-FFF2-40B4-BE49-F238E27FC236}">
+                <a16:creationId xmlns:a16="http://schemas.microsoft.com/office/drawing/2014/main" id="{CCE209EB-4423-BF7A-84CC-B6E187D985E4}"/>
+              </a:ext>
+            </a:extLst>
+          </p:cNvPr>
+          <p:cNvPicPr>
+            <a:picLocks noChangeAspect="1"/>
+          </p:cNvPicPr>
+          <p:nvPr/>
+        </p:nvPicPr>
+        <p:blipFill>
+          <a:blip r:embed="rId5"/>
+          <a:stretch>
+            <a:fillRect/>
+          </a:stretch>
+        </p:blipFill>
+        <p:spPr>
+          <a:xfrm>
+            <a:off x="9578125" y="589456"/>
+            <a:ext cx="2139834" cy="1554922"/>
+          </a:xfrm>
+          <a:prstGeom prst="rect">
+            <a:avLst/>
+          </a:prstGeom>
+        </p:spPr>
+      </p:pic>
+    </p:spTree>
+    <p:extLst>
+      <p:ext uri="{BB962C8B-B14F-4D97-AF65-F5344CB8AC3E}">
+        <p14:creationId xmlns:p14="http://schemas.microsoft.com/office/powerpoint/2010/main" val="2816090577"/>
+      </p:ext>
+    </p:extLst>
+  </p:cSld>
+  <p:clrMapOvr>
+    <a:masterClrMapping/>
+  </p:clrMapOvr>
+</p:sld>
+</file>
+
 <file path=ppt/slides/slide2.xml><?xml version="1.0" encoding="utf-8"?>
 <p:sld xmlns:a="http://schemas.openxmlformats.org/drawingml/2006/main" xmlns:r="http://schemas.openxmlformats.org/officeDocument/2006/relationships" xmlns:p="http://schemas.openxmlformats.org/presentationml/2006/main">
   <p:cSld>
